--- a/論文簡報.pptx
+++ b/論文簡報.pptx
@@ -14,7 +14,7 @@
     <p:sldId id="294" r:id="rId5"/>
     <p:sldId id="295" r:id="rId6"/>
     <p:sldId id="296" r:id="rId7"/>
-    <p:sldId id="290" r:id="rId8"/>
+    <p:sldId id="297" r:id="rId8"/>
     <p:sldId id="291" r:id="rId9"/>
     <p:sldId id="292" r:id="rId10"/>
     <p:sldId id="293" r:id="rId11"/>
@@ -219,7 +219,7 @@
           <a:p>
             <a:fld id="{9EAC0DDF-A255-FA45-A581-ACC778E51285}" type="datetimeFigureOut">
               <a:rPr kumimoji="1" lang="zh-TW" altLang="en-US" smtClean="0"/>
-              <a:t>13/6/20</a:t>
+              <a:t>13/6/22</a:t>
             </a:fld>
             <a:endParaRPr kumimoji="1" lang="zh-TW" altLang="en-US"/>
           </a:p>
@@ -488,6 +488,353 @@
 </file>
 
 <file path=ppt/notesSlides/notesSlide1.xml><?xml version="1.0" encoding="utf-8"?>
+<p:notes xmlns:a="http://schemas.openxmlformats.org/drawingml/2006/main" xmlns:r="http://schemas.openxmlformats.org/officeDocument/2006/relationships" xmlns:p="http://schemas.openxmlformats.org/presentationml/2006/main">
+  <p:cSld>
+    <p:spTree>
+      <p:nvGrpSpPr>
+        <p:cNvPr id="1" name=""/>
+        <p:cNvGrpSpPr/>
+        <p:nvPr/>
+      </p:nvGrpSpPr>
+      <p:grpSpPr>
+        <a:xfrm>
+          <a:off x="0" y="0"/>
+          <a:ext cx="0" cy="0"/>
+          <a:chOff x="0" y="0"/>
+          <a:chExt cx="0" cy="0"/>
+        </a:xfrm>
+      </p:grpSpPr>
+      <p:sp>
+        <p:nvSpPr>
+          <p:cNvPr id="2" name="投影片影像版面配置區 1"/>
+          <p:cNvSpPr>
+            <a:spLocks noGrp="1" noRot="1" noChangeAspect="1"/>
+          </p:cNvSpPr>
+          <p:nvPr>
+            <p:ph type="sldImg"/>
+          </p:nvPr>
+        </p:nvSpPr>
+        <p:spPr/>
+      </p:sp>
+      <p:sp>
+        <p:nvSpPr>
+          <p:cNvPr id="3" name="備忘稿版面配置區 2"/>
+          <p:cNvSpPr>
+            <a:spLocks noGrp="1"/>
+          </p:cNvSpPr>
+          <p:nvPr>
+            <p:ph type="body" idx="1"/>
+          </p:nvPr>
+        </p:nvSpPr>
+        <p:spPr/>
+        <p:txBody>
+          <a:bodyPr/>
+          <a:lstStyle/>
+          <a:p>
+            <a:endParaRPr kumimoji="1" lang="zh-TW" altLang="en-US" dirty="0"/>
+          </a:p>
+        </p:txBody>
+      </p:sp>
+      <p:sp>
+        <p:nvSpPr>
+          <p:cNvPr id="4" name="投影片編號版面配置區 3"/>
+          <p:cNvSpPr>
+            <a:spLocks noGrp="1"/>
+          </p:cNvSpPr>
+          <p:nvPr>
+            <p:ph type="sldNum" sz="quarter" idx="10"/>
+          </p:nvPr>
+        </p:nvSpPr>
+        <p:spPr/>
+        <p:txBody>
+          <a:bodyPr/>
+          <a:lstStyle/>
+          <a:p>
+            <a:fld id="{7235C697-375A-E745-B68E-978ACE03F67F}" type="slidenum">
+              <a:rPr kumimoji="1" lang="zh-TW" altLang="en-US" smtClean="0"/>
+              <a:t>6</a:t>
+            </a:fld>
+            <a:endParaRPr kumimoji="1" lang="zh-TW" altLang="en-US"/>
+          </a:p>
+        </p:txBody>
+      </p:sp>
+    </p:spTree>
+    <p:extLst>
+      <p:ext uri="{BB962C8B-B14F-4D97-AF65-F5344CB8AC3E}">
+        <p14:creationId xmlns:p14="http://schemas.microsoft.com/office/powerpoint/2010/main" val="1084868487"/>
+      </p:ext>
+    </p:extLst>
+  </p:cSld>
+  <p:clrMapOvr>
+    <a:masterClrMapping/>
+  </p:clrMapOvr>
+</p:notes>
+</file>
+
+<file path=ppt/notesSlides/notesSlide2.xml><?xml version="1.0" encoding="utf-8"?>
+<p:notes xmlns:a="http://schemas.openxmlformats.org/drawingml/2006/main" xmlns:r="http://schemas.openxmlformats.org/officeDocument/2006/relationships" xmlns:p="http://schemas.openxmlformats.org/presentationml/2006/main">
+  <p:cSld>
+    <p:spTree>
+      <p:nvGrpSpPr>
+        <p:cNvPr id="1" name=""/>
+        <p:cNvGrpSpPr/>
+        <p:nvPr/>
+      </p:nvGrpSpPr>
+      <p:grpSpPr>
+        <a:xfrm>
+          <a:off x="0" y="0"/>
+          <a:ext cx="0" cy="0"/>
+          <a:chOff x="0" y="0"/>
+          <a:chExt cx="0" cy="0"/>
+        </a:xfrm>
+      </p:grpSpPr>
+      <p:sp>
+        <p:nvSpPr>
+          <p:cNvPr id="2" name="投影片影像版面配置區 1"/>
+          <p:cNvSpPr>
+            <a:spLocks noGrp="1" noRot="1" noChangeAspect="1"/>
+          </p:cNvSpPr>
+          <p:nvPr>
+            <p:ph type="sldImg"/>
+          </p:nvPr>
+        </p:nvSpPr>
+        <p:spPr/>
+      </p:sp>
+      <p:sp>
+        <p:nvSpPr>
+          <p:cNvPr id="3" name="備忘稿版面配置區 2"/>
+          <p:cNvSpPr>
+            <a:spLocks noGrp="1"/>
+          </p:cNvSpPr>
+          <p:nvPr>
+            <p:ph type="body" idx="1"/>
+          </p:nvPr>
+        </p:nvSpPr>
+        <p:spPr/>
+        <p:txBody>
+          <a:bodyPr/>
+          <a:lstStyle/>
+          <a:p>
+            <a:r>
+              <a:rPr lang="en-US" altLang="zh-TW" dirty="0" smtClean="0"/>
+              <a:t>.</a:t>
+            </a:r>
+            <a:r>
+              <a:rPr lang="zh-TW" altLang="en-US" dirty="0" smtClean="0"/>
+              <a:t>確定研究動機與範圍</a:t>
+            </a:r>
+          </a:p>
+          <a:p>
+            <a:r>
+              <a:rPr lang="zh-TW" altLang="en-US" dirty="0" smtClean="0"/>
+              <a:t>本研究目的主要目的要探討品牌知覺、品牌聲望、與網路消費者購買行為之關係，研究範圍界定於台灣地區的網路消費者在網路購物中於鈦鍺時尚精品之交易行為</a:t>
+            </a:r>
+          </a:p>
+          <a:p>
+            <a:r>
+              <a:rPr lang="en-US" altLang="zh-TW" dirty="0" smtClean="0"/>
+              <a:t>2-1.</a:t>
+            </a:r>
+            <a:r>
+              <a:rPr lang="zh-TW" altLang="en-US" dirty="0" smtClean="0"/>
+              <a:t>文獻收集與研讀</a:t>
+            </a:r>
+          </a:p>
+          <a:p>
+            <a:r>
+              <a:rPr lang="zh-TW" altLang="en-US" dirty="0" smtClean="0"/>
+              <a:t>瞭解本研究的界定主範圍後</a:t>
+            </a:r>
+            <a:r>
+              <a:rPr lang="en-US" altLang="zh-TW" dirty="0" smtClean="0"/>
+              <a:t>,</a:t>
+            </a:r>
+            <a:r>
+              <a:rPr lang="zh-TW" altLang="en-US" dirty="0" smtClean="0"/>
+              <a:t>開始收集品牌知覺、品牌聲望、網路消費者購買行為、鈦鍺時尚精品等相關文獻</a:t>
+            </a:r>
+            <a:r>
+              <a:rPr lang="en-US" altLang="zh-TW" dirty="0" smtClean="0"/>
+              <a:t>,</a:t>
+            </a:r>
+            <a:r>
+              <a:rPr lang="zh-TW" altLang="en-US" dirty="0" smtClean="0"/>
+              <a:t>作為研究的基本理論。</a:t>
+            </a:r>
+          </a:p>
+          <a:p>
+            <a:r>
+              <a:rPr lang="en-US" altLang="zh-TW" dirty="0" smtClean="0"/>
+              <a:t>2-2. </a:t>
+            </a:r>
+            <a:r>
+              <a:rPr lang="zh-TW" altLang="en-US" dirty="0" smtClean="0"/>
+              <a:t>進行實地訪談</a:t>
+            </a:r>
+          </a:p>
+          <a:p>
+            <a:r>
+              <a:rPr lang="zh-TW" altLang="en-US" dirty="0" smtClean="0"/>
+              <a:t>為了瞭解本研究的鈦鍺時尚精品，相關公司所遇到的問題與消費者行為，前往</a:t>
+            </a:r>
+            <a:r>
+              <a:rPr lang="en-US" altLang="zh-TW" dirty="0" smtClean="0"/>
+              <a:t>La Jolla </a:t>
+            </a:r>
+            <a:r>
+              <a:rPr lang="zh-TW" altLang="en-US" dirty="0" smtClean="0"/>
+              <a:t>樂活雅 鈦鍺精品公司實地訪談。</a:t>
+            </a:r>
+          </a:p>
+          <a:p>
+            <a:r>
+              <a:rPr lang="en-US" altLang="zh-TW" dirty="0" smtClean="0"/>
+              <a:t>3-1.</a:t>
+            </a:r>
+            <a:r>
+              <a:rPr lang="zh-TW" altLang="en-US" dirty="0" smtClean="0"/>
+              <a:t>發展問卷架構</a:t>
+            </a:r>
+          </a:p>
+          <a:p>
+            <a:r>
+              <a:rPr lang="zh-TW" altLang="en-US" dirty="0" smtClean="0"/>
+              <a:t>本研究經過文獻資料與整理及研究探討之後，根據文獻資料與本研究的方向，建立其問卷研發與架構及研究變數，再來針對各個本研究的變數建立研究假設與操作性定義。</a:t>
+            </a:r>
+          </a:p>
+          <a:p>
+            <a:r>
+              <a:rPr lang="en-US" altLang="zh-TW" dirty="0" smtClean="0"/>
+              <a:t>3-2.</a:t>
+            </a:r>
+            <a:r>
+              <a:rPr lang="zh-TW" altLang="en-US" dirty="0" smtClean="0"/>
+              <a:t>客群分析與訪查</a:t>
+            </a:r>
+          </a:p>
+          <a:p>
+            <a:r>
+              <a:rPr lang="zh-TW" altLang="en-US" dirty="0" smtClean="0"/>
+              <a:t>經過實地親自探訪收集</a:t>
+            </a:r>
+            <a:r>
+              <a:rPr lang="en-US" altLang="zh-TW" dirty="0" smtClean="0"/>
+              <a:t>La Jolla </a:t>
+            </a:r>
+            <a:r>
+              <a:rPr lang="zh-TW" altLang="en-US" dirty="0" smtClean="0"/>
+              <a:t>樂活雅 鈦鍺精品公司，所得知的相關客群資料後開始客群分析與訪查本研究相關資料。</a:t>
+            </a:r>
+          </a:p>
+          <a:p>
+            <a:r>
+              <a:rPr lang="en-US" altLang="zh-TW" dirty="0" smtClean="0"/>
+              <a:t>4.</a:t>
+            </a:r>
+            <a:r>
+              <a:rPr lang="zh-TW" altLang="en-US" dirty="0" smtClean="0"/>
+              <a:t>問卷制作與發放</a:t>
+            </a:r>
+          </a:p>
+          <a:p>
+            <a:r>
+              <a:rPr lang="zh-TW" altLang="en-US" dirty="0" smtClean="0"/>
+              <a:t>本研究方式是採用發放問卷的研究方式，對研究對象進行相關資料的調查</a:t>
+            </a:r>
+            <a:r>
+              <a:rPr lang="en-US" altLang="zh-TW" dirty="0" smtClean="0"/>
+              <a:t>;</a:t>
+            </a:r>
+            <a:r>
+              <a:rPr lang="zh-TW" altLang="en-US" dirty="0" smtClean="0"/>
+              <a:t>根據研究資料與本研究主題下去研究設計製做問卷，依據本研究該需要的變數去設計選題，即可以開始發放本研究正式的調查問卷，其問卷為網際網路發放方式為收集為主，研究流程如圖所示。</a:t>
+            </a:r>
+          </a:p>
+          <a:p>
+            <a:r>
+              <a:rPr lang="en-US" altLang="zh-TW" dirty="0" smtClean="0"/>
+              <a:t>5.</a:t>
+            </a:r>
+            <a:r>
+              <a:rPr lang="zh-TW" altLang="en-US" dirty="0" smtClean="0"/>
+              <a:t>問卷整理與數據分析</a:t>
+            </a:r>
+          </a:p>
+          <a:p>
+            <a:r>
+              <a:rPr lang="zh-TW" altLang="en-US" dirty="0" smtClean="0"/>
+              <a:t>首先針對本研究收回的問卷樣本作敘述性統計分析，了解問卷樣本的基本特性</a:t>
+            </a:r>
+          </a:p>
+          <a:p>
+            <a:r>
+              <a:rPr lang="en-US" altLang="zh-TW" dirty="0" smtClean="0"/>
+              <a:t>6.</a:t>
+            </a:r>
+            <a:r>
+              <a:rPr lang="zh-TW" altLang="en-US" dirty="0" smtClean="0"/>
+              <a:t>結論與探討</a:t>
+            </a:r>
+          </a:p>
+          <a:p>
+            <a:r>
+              <a:rPr lang="zh-TW" altLang="en-US" dirty="0" smtClean="0"/>
+              <a:t>依據本研究分析後研究出的結果</a:t>
+            </a:r>
+            <a:r>
+              <a:rPr lang="en-US" altLang="zh-TW" dirty="0" smtClean="0"/>
+              <a:t>,</a:t>
+            </a:r>
+            <a:r>
+              <a:rPr lang="zh-TW" altLang="en-US" dirty="0" smtClean="0"/>
+              <a:t>統整成文後作研究結論與探討，以作為後續與本文相關研究學者與人員參考之文獻</a:t>
+            </a:r>
+          </a:p>
+          <a:p>
+            <a:endParaRPr kumimoji="1" lang="zh-TW" altLang="en-US" dirty="0" smtClean="0"/>
+          </a:p>
+          <a:p>
+            <a:endParaRPr kumimoji="1" lang="zh-TW" altLang="en-US" dirty="0"/>
+          </a:p>
+        </p:txBody>
+      </p:sp>
+      <p:sp>
+        <p:nvSpPr>
+          <p:cNvPr id="4" name="投影片編號版面配置區 3"/>
+          <p:cNvSpPr>
+            <a:spLocks noGrp="1"/>
+          </p:cNvSpPr>
+          <p:nvPr>
+            <p:ph type="sldNum" sz="quarter" idx="10"/>
+          </p:nvPr>
+        </p:nvSpPr>
+        <p:spPr/>
+        <p:txBody>
+          <a:bodyPr/>
+          <a:lstStyle/>
+          <a:p>
+            <a:fld id="{7235C697-375A-E745-B68E-978ACE03F67F}" type="slidenum">
+              <a:rPr kumimoji="1" lang="zh-TW" altLang="en-US" smtClean="0"/>
+              <a:t>7</a:t>
+            </a:fld>
+            <a:endParaRPr kumimoji="1" lang="zh-TW" altLang="en-US"/>
+          </a:p>
+        </p:txBody>
+      </p:sp>
+    </p:spTree>
+    <p:extLst>
+      <p:ext uri="{BB962C8B-B14F-4D97-AF65-F5344CB8AC3E}">
+        <p14:creationId xmlns:p14="http://schemas.microsoft.com/office/powerpoint/2010/main" val="1812439162"/>
+      </p:ext>
+    </p:extLst>
+  </p:cSld>
+  <p:clrMapOvr>
+    <a:masterClrMapping/>
+  </p:clrMapOvr>
+</p:notes>
+</file>
+
+<file path=ppt/notesSlides/notesSlide3.xml><?xml version="1.0" encoding="utf-8"?>
 <p:notes xmlns:a="http://schemas.openxmlformats.org/drawingml/2006/main" xmlns:r="http://schemas.openxmlformats.org/officeDocument/2006/relationships" xmlns:p="http://schemas.openxmlformats.org/presentationml/2006/main">
   <p:cSld>
     <p:spTree>
@@ -4698,7 +5045,7 @@
             <a:fld id="{23A271A1-F6D6-438B-A432-4747EE7ECD40}" type="datetimeFigureOut">
               <a:rPr lang="en-US" smtClean="0"/>
               <a:pPr algn="ctr" eaLnBrk="1" latinLnBrk="0" hangingPunct="1"/>
-              <a:t>13/6/20</a:t>
+              <a:t>13/6/22</a:t>
             </a:fld>
             <a:endParaRPr lang="en-US" sz="2000" dirty="0">
               <a:solidFill>
@@ -12748,7 +13095,7 @@
           <a:p>
             <a:fld id="{A4A6734C-E115-4BC5-9FB0-F9BF6FABFDA0}" type="datetimeFigureOut">
               <a:rPr lang="en-US" smtClean="0"/>
-              <a:t>13/6/20</a:t>
+              <a:t>13/6/22</a:t>
             </a:fld>
             <a:endParaRPr lang="en-US"/>
           </a:p>
@@ -12923,7 +13270,7 @@
           <a:p>
             <a:fld id="{A4A6734C-E115-4BC5-9FB0-F9BF6FABFDA0}" type="datetimeFigureOut">
               <a:rPr lang="en-US" smtClean="0"/>
-              <a:t>13/6/20</a:t>
+              <a:t>13/6/22</a:t>
             </a:fld>
             <a:endParaRPr lang="en-US"/>
           </a:p>
@@ -16929,7 +17276,7 @@
           <a:p>
             <a:fld id="{A4A6734C-E115-4BC5-9FB0-F9BF6FABFDA0}" type="datetimeFigureOut">
               <a:rPr lang="en-US" smtClean="0"/>
-              <a:t>13/6/20</a:t>
+              <a:t>13/6/22</a:t>
             </a:fld>
             <a:endParaRPr lang="en-US"/>
           </a:p>
@@ -17167,7 +17514,7 @@
             <a:fld id="{23A271A1-F6D6-438B-A432-4747EE7ECD40}" type="datetimeFigureOut">
               <a:rPr lang="en-US" smtClean="0"/>
               <a:pPr eaLnBrk="1" latinLnBrk="0" hangingPunct="1"/>
-              <a:t>13/6/20</a:t>
+              <a:t>13/6/22</a:t>
             </a:fld>
             <a:endParaRPr lang="en-US"/>
           </a:p>
@@ -21345,7 +21692,7 @@
           <a:p>
             <a:fld id="{A4A6734C-E115-4BC5-9FB0-F9BF6FABFDA0}" type="datetimeFigureOut">
               <a:rPr lang="en-US" smtClean="0"/>
-              <a:t>13/6/20</a:t>
+              <a:t>13/6/22</a:t>
             </a:fld>
             <a:endParaRPr lang="en-US"/>
           </a:p>
@@ -21618,7 +21965,7 @@
           <a:p>
             <a:fld id="{A4A6734C-E115-4BC5-9FB0-F9BF6FABFDA0}" type="datetimeFigureOut">
               <a:rPr lang="en-US" smtClean="0"/>
-              <a:t>13/6/20</a:t>
+              <a:t>13/6/22</a:t>
             </a:fld>
             <a:endParaRPr lang="en-US"/>
           </a:p>
@@ -22043,7 +22390,7 @@
           <a:p>
             <a:fld id="{A4A6734C-E115-4BC5-9FB0-F9BF6FABFDA0}" type="datetimeFigureOut">
               <a:rPr lang="en-US" smtClean="0"/>
-              <a:t>13/6/20</a:t>
+              <a:t>13/6/22</a:t>
             </a:fld>
             <a:endParaRPr lang="en-US"/>
           </a:p>
@@ -22166,7 +22513,7 @@
           <a:p>
             <a:fld id="{A4A6734C-E115-4BC5-9FB0-F9BF6FABFDA0}" type="datetimeFigureOut">
               <a:rPr lang="en-US" smtClean="0"/>
-              <a:t>13/6/20</a:t>
+              <a:t>13/6/22</a:t>
             </a:fld>
             <a:endParaRPr lang="en-US"/>
           </a:p>
@@ -22312,7 +22659,7 @@
           <a:p>
             <a:fld id="{A4A6734C-E115-4BC5-9FB0-F9BF6FABFDA0}" type="datetimeFigureOut">
               <a:rPr lang="en-US" smtClean="0"/>
-              <a:t>13/6/20</a:t>
+              <a:t>13/6/22</a:t>
             </a:fld>
             <a:endParaRPr lang="en-US"/>
           </a:p>
@@ -22725,7 +23072,7 @@
           <a:p>
             <a:fld id="{A4A6734C-E115-4BC5-9FB0-F9BF6FABFDA0}" type="datetimeFigureOut">
               <a:rPr lang="en-US" smtClean="0"/>
-              <a:t>13/6/20</a:t>
+              <a:t>13/6/22</a:t>
             </a:fld>
             <a:endParaRPr lang="en-US"/>
           </a:p>
@@ -23045,7 +23392,7 @@
           <a:p>
             <a:fld id="{A4A6734C-E115-4BC5-9FB0-F9BF6FABFDA0}" type="datetimeFigureOut">
               <a:rPr lang="en-US" smtClean="0"/>
-              <a:t>13/6/20</a:t>
+              <a:t>13/6/22</a:t>
             </a:fld>
             <a:endParaRPr lang="en-US"/>
           </a:p>
@@ -23500,15 +23847,7 @@
             </a:r>
             <a:r>
               <a:rPr lang="zh-TW" altLang="en-US" sz="4000" dirty="0" smtClean="0"/>
-              <a:t>消費者</a:t>
-            </a:r>
-            <a:r>
-              <a:rPr lang="zh-TW" altLang="en-US" sz="4000" dirty="0" smtClean="0"/>
-              <a:t>決策</a:t>
-            </a:r>
-            <a:r>
-              <a:rPr lang="zh-TW" altLang="en-US" sz="4000" dirty="0" smtClean="0"/>
-              <a:t>與</a:t>
+              <a:t>消費者決策與</a:t>
             </a:r>
             <a:r>
               <a:rPr lang="zh-TW" altLang="en-US" sz="4000" dirty="0"/>
@@ -27423,11 +27762,7 @@
           <a:p>
             <a:r>
               <a:rPr kumimoji="1" lang="zh-TW" altLang="en-US" dirty="0" smtClean="0"/>
-              <a:t>流</a:t>
-            </a:r>
-            <a:r>
-              <a:rPr kumimoji="1" lang="zh-TW" altLang="en-US" dirty="0" smtClean="0"/>
-              <a:t>程</a:t>
+              <a:t>流程</a:t>
             </a:r>
             <a:endParaRPr kumimoji="1" lang="en-US" altLang="zh-TW" dirty="0" smtClean="0"/>
           </a:p>
@@ -30183,11 +30518,7 @@
             </a:r>
             <a:r>
               <a:rPr lang="zh-TW" altLang="en-US" dirty="0" smtClean="0"/>
-              <a:t>動機</a:t>
-            </a:r>
-            <a:r>
-              <a:rPr lang="zh-TW" altLang="en-US" dirty="0" smtClean="0"/>
-              <a:t>：</a:t>
+              <a:t>動機：</a:t>
             </a:r>
             <a:endParaRPr lang="en-US" altLang="zh-TW" dirty="0" smtClean="0"/>
           </a:p>
@@ -30225,15 +30556,7 @@
             </a:r>
             <a:r>
               <a:rPr lang="zh-TW" altLang="en-US" dirty="0" smtClean="0"/>
-              <a:t>網路品牌聲望與網路品牌知覺是否影響消費</a:t>
-            </a:r>
-            <a:r>
-              <a:rPr lang="zh-TW" altLang="en-US" dirty="0" smtClean="0"/>
-              <a:t>者滿意度</a:t>
-            </a:r>
-            <a:r>
-              <a:rPr lang="zh-TW" altLang="en-US" dirty="0" smtClean="0"/>
-              <a:t>。</a:t>
+              <a:t>網路品牌聲望與網路品牌知覺是否影響消費者滿意度。</a:t>
             </a:r>
             <a:endParaRPr lang="zh-TW" altLang="en-US" dirty="0"/>
           </a:p>
@@ -30329,11 +30652,7 @@
             </a:r>
             <a:r>
               <a:rPr lang="zh-TW" altLang="en-US" dirty="0" smtClean="0"/>
-              <a:t>目的</a:t>
-            </a:r>
-            <a:r>
-              <a:rPr lang="zh-TW" altLang="en-US" dirty="0" smtClean="0"/>
-              <a:t>：</a:t>
+              <a:t>目的：</a:t>
             </a:r>
             <a:endParaRPr lang="en-US" altLang="zh-TW" dirty="0" smtClean="0"/>
           </a:p>
@@ -30343,31 +30662,7 @@
           <a:p>
             <a:r>
               <a:rPr lang="zh-TW" altLang="en-US" dirty="0" smtClean="0"/>
-              <a:t>瞭解透過網路多媒體行銷後的廠商網路品牌聲望</a:t>
-            </a:r>
-            <a:r>
-              <a:rPr lang="zh-TW" altLang="en-US" dirty="0" smtClean="0"/>
-              <a:t>，</a:t>
-            </a:r>
-            <a:r>
-              <a:rPr lang="zh-TW" altLang="en-US" dirty="0" smtClean="0"/>
-              <a:t>品牌知覺是否會影響</a:t>
-            </a:r>
-            <a:r>
-              <a:rPr lang="zh-TW" altLang="en-US" dirty="0" smtClean="0"/>
-              <a:t>消費者決策，</a:t>
-            </a:r>
-            <a:r>
-              <a:rPr lang="zh-TW" altLang="en-US" dirty="0" smtClean="0"/>
-              <a:t>消費</a:t>
-            </a:r>
-            <a:r>
-              <a:rPr lang="zh-TW" altLang="en-US" dirty="0" smtClean="0"/>
-              <a:t>滿意度</a:t>
-            </a:r>
-            <a:r>
-              <a:rPr lang="zh-TW" altLang="en-US" dirty="0" smtClean="0"/>
-              <a:t>為</a:t>
+              <a:t>瞭解透過網路多媒體行銷後的廠商網路品牌聲望，品牌知覺是否會影響消費者決策，消費滿意度為</a:t>
             </a:r>
             <a:r>
               <a:rPr lang="zh-TW" altLang="en-US" dirty="0"/>
@@ -30375,11 +30670,7 @@
             </a:r>
             <a:r>
               <a:rPr lang="zh-TW" altLang="en-US" dirty="0" smtClean="0"/>
-              <a:t>推測</a:t>
-            </a:r>
-            <a:r>
-              <a:rPr lang="zh-TW" altLang="en-US" dirty="0" smtClean="0"/>
-              <a:t>。</a:t>
+              <a:t>推測。</a:t>
             </a:r>
             <a:endParaRPr lang="en-US" altLang="zh-TW" dirty="0" smtClean="0"/>
           </a:p>
@@ -30397,11 +30688,7 @@
             </a:r>
             <a:r>
               <a:rPr lang="zh-TW" altLang="en-US" dirty="0" smtClean="0"/>
-              <a:t>者所需求與提升未來企業經營網路虛擬通路之參考</a:t>
-            </a:r>
-            <a:r>
-              <a:rPr lang="zh-TW" altLang="en-US" dirty="0" smtClean="0"/>
-              <a:t>。</a:t>
+              <a:t>者所需求與提升未來企業經營網路虛擬通路之參考。</a:t>
             </a:r>
             <a:endParaRPr lang="zh-TW" altLang="en-US" dirty="0"/>
           </a:p>
@@ -30503,246 +30790,25 @@
         <p:spPr/>
         <p:txBody>
           <a:bodyPr>
-            <a:normAutofit fontScale="55000" lnSpcReduction="20000"/>
+            <a:normAutofit/>
           </a:bodyPr>
           <a:lstStyle/>
           <a:p>
             <a:r>
-              <a:rPr lang="en-US" altLang="zh-TW" dirty="0"/>
-              <a:t>.</a:t>
-            </a:r>
-            <a:r>
-              <a:rPr lang="zh-TW" altLang="en-US" dirty="0" smtClean="0"/>
+              <a:rPr lang="zh-TW" altLang="en-US" dirty="0"/>
               <a:t>確定研究動機與範圍</a:t>
             </a:r>
-            <a:endParaRPr lang="zh-TW" altLang="en-US" dirty="0"/>
           </a:p>
           <a:p>
             <a:r>
               <a:rPr lang="zh-TW" altLang="en-US" dirty="0"/>
-              <a:t>本研究目的主要目的要探討品牌知覺、品牌聲望、與網路消費者購買行為之關係，研究範圍界定於台灣地區的網路消費者在網路購物中於鈦鍺時尚精品之交易</a:t>
-            </a:r>
-            <a:r>
-              <a:rPr lang="zh-TW" altLang="en-US" dirty="0" smtClean="0"/>
-              <a:t>行為</a:t>
-            </a:r>
-            <a:endParaRPr lang="zh-TW" altLang="en-US" dirty="0"/>
+              <a:t>本研究目的主要目的要探討品牌知覺、品牌聲望、與網路消費者購買行為之關係，研究範圍界定於台灣地區的網路消費者在網路購物中於鈦鍺時尚精品之交易行為</a:t>
+            </a:r>
           </a:p>
           <a:p>
-            <a:r>
-              <a:rPr lang="en-US" altLang="zh-TW" dirty="0"/>
-              <a:t>2-1.</a:t>
-            </a:r>
-            <a:r>
-              <a:rPr lang="zh-TW" altLang="en-US" dirty="0" smtClean="0"/>
-              <a:t>文獻收集與研讀</a:t>
-            </a:r>
-            <a:endParaRPr lang="zh-TW" altLang="en-US" dirty="0"/>
-          </a:p>
-          <a:p>
-            <a:r>
-              <a:rPr lang="zh-TW" altLang="en-US" dirty="0"/>
-              <a:t>瞭解本研究的界定主範圍後</a:t>
-            </a:r>
-            <a:r>
-              <a:rPr lang="en-US" altLang="zh-TW" dirty="0"/>
-              <a:t>,</a:t>
-            </a:r>
-            <a:r>
-              <a:rPr lang="zh-TW" altLang="en-US" dirty="0"/>
-              <a:t>開始收集品牌知覺、品牌聲望、網路消費者購買行為、鈦鍺時尚精品等相關文獻</a:t>
-            </a:r>
-            <a:r>
-              <a:rPr lang="en-US" altLang="zh-TW" dirty="0"/>
-              <a:t>,</a:t>
-            </a:r>
-            <a:r>
-              <a:rPr lang="zh-TW" altLang="en-US" dirty="0"/>
-              <a:t>作為研究的基本理論</a:t>
-            </a:r>
-            <a:r>
-              <a:rPr lang="zh-TW" altLang="en-US" dirty="0" smtClean="0"/>
-              <a:t>。</a:t>
-            </a:r>
-            <a:endParaRPr lang="zh-TW" altLang="en-US" dirty="0"/>
-          </a:p>
-          <a:p>
-            <a:r>
-              <a:rPr lang="en-US" altLang="zh-TW" dirty="0"/>
-              <a:t>2-2. </a:t>
-            </a:r>
-            <a:r>
-              <a:rPr lang="zh-TW" altLang="en-US" dirty="0" smtClean="0"/>
-              <a:t>進行實地訪談</a:t>
-            </a:r>
-            <a:endParaRPr lang="zh-TW" altLang="en-US" dirty="0"/>
-          </a:p>
-          <a:p>
-            <a:r>
-              <a:rPr lang="zh-TW" altLang="en-US" dirty="0"/>
-              <a:t>為了瞭解本研究的鈦鍺時尚精品，相關公司所遇到的問題與消費者行為，前往</a:t>
-            </a:r>
-            <a:r>
-              <a:rPr lang="en-US" altLang="zh-TW" dirty="0"/>
-              <a:t>La Jolla </a:t>
-            </a:r>
-            <a:r>
-              <a:rPr lang="zh-TW" altLang="en-US" dirty="0"/>
-              <a:t>樂活雅 鈦鍺精品公司實地訪談</a:t>
-            </a:r>
-            <a:r>
-              <a:rPr lang="zh-TW" altLang="en-US" dirty="0" smtClean="0"/>
-              <a:t>。</a:t>
-            </a:r>
-            <a:endParaRPr lang="zh-TW" altLang="en-US" dirty="0"/>
-          </a:p>
-          <a:p>
-            <a:r>
-              <a:rPr lang="en-US" altLang="zh-TW" dirty="0"/>
-              <a:t>3-1.</a:t>
-            </a:r>
-            <a:r>
-              <a:rPr lang="zh-TW" altLang="en-US" dirty="0" smtClean="0"/>
-              <a:t>發展問卷架構</a:t>
-            </a:r>
-            <a:endParaRPr lang="zh-TW" altLang="en-US" dirty="0"/>
-          </a:p>
-          <a:p>
-            <a:r>
-              <a:rPr lang="zh-TW" altLang="en-US" dirty="0"/>
-              <a:t>本研究經過文獻資料與整理及研究探討之後，根據文獻資料與本研究的方向，建立其問卷研發與架構及研究變數，再來針對各個本研究的變數建立研究假設與操作性定義</a:t>
-            </a:r>
-            <a:r>
-              <a:rPr lang="zh-TW" altLang="en-US" dirty="0" smtClean="0"/>
-              <a:t>。</a:t>
-            </a:r>
-            <a:endParaRPr lang="zh-TW" altLang="en-US" dirty="0"/>
-          </a:p>
-          <a:p>
-            <a:r>
-              <a:rPr lang="en-US" altLang="zh-TW" dirty="0"/>
-              <a:t>3-2.</a:t>
-            </a:r>
-            <a:r>
-              <a:rPr lang="zh-TW" altLang="en-US" dirty="0"/>
-              <a:t>客</a:t>
-            </a:r>
-            <a:r>
-              <a:rPr lang="zh-TW" altLang="en-US" dirty="0" smtClean="0"/>
-              <a:t>群分析與訪查</a:t>
-            </a:r>
-            <a:endParaRPr lang="zh-TW" altLang="en-US" dirty="0"/>
-          </a:p>
-          <a:p>
-            <a:r>
-              <a:rPr lang="zh-TW" altLang="en-US" dirty="0"/>
-              <a:t>經過實地親自探訪收集</a:t>
-            </a:r>
-            <a:r>
-              <a:rPr lang="en-US" altLang="zh-TW" dirty="0"/>
-              <a:t>La Jolla </a:t>
-            </a:r>
-            <a:r>
-              <a:rPr lang="zh-TW" altLang="en-US" dirty="0"/>
-              <a:t>樂活雅 鈦鍺精品公司，所得知的相關客群資料後開始客群分析與訪查本研究相關資料</a:t>
-            </a:r>
-            <a:r>
-              <a:rPr lang="zh-TW" altLang="en-US" dirty="0" smtClean="0"/>
-              <a:t>。</a:t>
-            </a:r>
-            <a:endParaRPr lang="zh-TW" altLang="en-US" dirty="0"/>
-          </a:p>
-          <a:p>
-            <a:r>
-              <a:rPr lang="en-US" altLang="zh-TW" dirty="0"/>
-              <a:t>4.</a:t>
-            </a:r>
-            <a:r>
-              <a:rPr lang="zh-TW" altLang="en-US" dirty="0"/>
-              <a:t>問卷制作與發</a:t>
-            </a:r>
-            <a:r>
-              <a:rPr lang="zh-TW" altLang="en-US" dirty="0" smtClean="0"/>
-              <a:t>放</a:t>
-            </a:r>
-            <a:endParaRPr lang="zh-TW" altLang="en-US" dirty="0"/>
-          </a:p>
-          <a:p>
-            <a:r>
-              <a:rPr lang="zh-TW" altLang="en-US" dirty="0"/>
-              <a:t>本研究方式是採用發放問卷的研究方式，對研究對象進行相關資料的調查</a:t>
-            </a:r>
-            <a:r>
-              <a:rPr lang="en-US" altLang="zh-TW" dirty="0"/>
-              <a:t>;</a:t>
-            </a:r>
-            <a:r>
-              <a:rPr lang="zh-TW" altLang="en-US" dirty="0"/>
-              <a:t>根據研究資料與本研究主題下去研究設計製做問卷，依據本研究該需要的變數去設計選題，即可以開始發放本研究正式的調查問卷，其問卷為網際網路發放方式為收集為主，</a:t>
-            </a:r>
-            <a:r>
-              <a:rPr lang="zh-TW" altLang="en-US" dirty="0" smtClean="0"/>
-              <a:t>研究流程如圖所示。</a:t>
-            </a:r>
-            <a:endParaRPr lang="zh-TW" altLang="en-US" dirty="0"/>
-          </a:p>
-          <a:p>
-            <a:r>
-              <a:rPr lang="en-US" altLang="zh-TW" dirty="0"/>
-              <a:t>5.</a:t>
-            </a:r>
-            <a:r>
-              <a:rPr lang="zh-TW" altLang="en-US" dirty="0"/>
-              <a:t>問卷整理與數據</a:t>
-            </a:r>
-            <a:r>
-              <a:rPr lang="zh-TW" altLang="en-US" dirty="0" smtClean="0"/>
-              <a:t>分析</a:t>
-            </a:r>
-            <a:endParaRPr lang="zh-TW" altLang="en-US" dirty="0"/>
-          </a:p>
-          <a:p>
-            <a:r>
-              <a:rPr lang="zh-TW" altLang="en-US" dirty="0"/>
-              <a:t>首先針對本研究收回的問卷樣本作敘述性統計分析，了解問卷樣本的基本</a:t>
-            </a:r>
-            <a:r>
-              <a:rPr lang="zh-TW" altLang="en-US" dirty="0" smtClean="0"/>
-              <a:t>特性</a:t>
-            </a:r>
-            <a:endParaRPr lang="zh-TW" altLang="en-US" dirty="0"/>
-          </a:p>
-          <a:p>
-            <a:r>
-              <a:rPr lang="en-US" altLang="zh-TW" dirty="0"/>
-              <a:t>6.</a:t>
-            </a:r>
-            <a:r>
-              <a:rPr lang="zh-TW" altLang="en-US" dirty="0" smtClean="0"/>
-              <a:t>結論與探討</a:t>
-            </a:r>
-            <a:endParaRPr lang="zh-TW" altLang="en-US" dirty="0"/>
-          </a:p>
-          <a:p>
-            <a:r>
-              <a:rPr lang="zh-TW" altLang="en-US" dirty="0"/>
-              <a:t>依據本研究分析後研究出的結果</a:t>
-            </a:r>
-            <a:r>
-              <a:rPr lang="en-US" altLang="zh-TW" dirty="0"/>
-              <a:t>,</a:t>
-            </a:r>
-            <a:r>
-              <a:rPr lang="zh-TW" altLang="en-US" dirty="0"/>
-              <a:t>統整成文後作研究結論與探討，以作為後續與本文相關研究學</a:t>
-            </a:r>
-            <a:r>
-              <a:rPr lang="zh-TW" altLang="en-US" dirty="0" smtClean="0"/>
-              <a:t>者與人員參考之文獻</a:t>
-            </a:r>
-            <a:endParaRPr lang="zh-TW" altLang="en-US" dirty="0"/>
-          </a:p>
-          <a:p>
+            <a:pPr marL="0" indent="0">
+              <a:buNone/>
+            </a:pPr>
             <a:endParaRPr lang="zh-TW" altLang="en-US" dirty="0"/>
           </a:p>
         </p:txBody>
@@ -30784,40 +30850,735 @@
           <a:chExt cx="0" cy="0"/>
         </a:xfrm>
       </p:grpSpPr>
-      <p:pic>
-        <p:nvPicPr>
-          <p:cNvPr id="7" name="圖片 6" descr="NPC12.png"/>
-          <p:cNvPicPr>
-            <a:picLocks noChangeAspect="1"/>
-          </p:cNvPicPr>
-          <p:nvPr/>
-        </p:nvPicPr>
-        <p:blipFill>
-          <a:blip r:embed="rId2">
-            <a:extLst>
-              <a:ext uri="{28A0092B-C50C-407E-A947-70E740481C1C}">
-                <a14:useLocalDpi xmlns:a14="http://schemas.microsoft.com/office/drawing/2010/main" val="0"/>
-              </a:ext>
-            </a:extLst>
-          </a:blip>
-          <a:stretch>
-            <a:fillRect/>
-          </a:stretch>
-        </p:blipFill>
+      <p:sp>
+        <p:nvSpPr>
+          <p:cNvPr id="2" name="標題 1"/>
+          <p:cNvSpPr>
+            <a:spLocks noGrp="1"/>
+          </p:cNvSpPr>
+          <p:nvPr>
+            <p:ph type="title"/>
+          </p:nvPr>
+        </p:nvSpPr>
         <p:spPr>
           <a:xfrm>
-            <a:off x="2208009" y="0"/>
-            <a:ext cx="4848844" cy="6858000"/>
+            <a:off x="276225" y="228600"/>
+            <a:ext cx="8591550" cy="556491"/>
+          </a:xfrm>
+        </p:spPr>
+        <p:txBody>
+          <a:bodyPr>
+            <a:normAutofit fontScale="90000"/>
+          </a:bodyPr>
+          <a:lstStyle/>
+          <a:p>
+            <a:pPr algn="ctr"/>
+            <a:r>
+              <a:rPr lang="zh-TW" altLang="en-US" dirty="0"/>
+              <a:t>研究流程</a:t>
+            </a:r>
+            <a:endParaRPr kumimoji="1" lang="zh-TW" altLang="en-US" dirty="0"/>
+          </a:p>
+        </p:txBody>
+      </p:sp>
+      <p:sp>
+        <p:nvSpPr>
+          <p:cNvPr id="4" name="矩形 3"/>
+          <p:cNvSpPr/>
+          <p:nvPr/>
+        </p:nvSpPr>
+        <p:spPr>
+          <a:xfrm>
+            <a:off x="2840182" y="785091"/>
+            <a:ext cx="3140363" cy="669636"/>
           </a:xfrm>
           <a:prstGeom prst="rect">
             <a:avLst/>
           </a:prstGeom>
+          <a:solidFill>
+            <a:srgbClr val="5065FF"/>
+          </a:solidFill>
+          <a:ln>
+            <a:solidFill>
+              <a:srgbClr val="5065FF"/>
+            </a:solidFill>
+          </a:ln>
         </p:spPr>
-      </p:pic>
+        <p:style>
+          <a:lnRef idx="1">
+            <a:schemeClr val="accent1"/>
+          </a:lnRef>
+          <a:fillRef idx="3">
+            <a:schemeClr val="accent1"/>
+          </a:fillRef>
+          <a:effectRef idx="2">
+            <a:schemeClr val="accent1"/>
+          </a:effectRef>
+          <a:fontRef idx="minor">
+            <a:schemeClr val="lt1"/>
+          </a:fontRef>
+        </p:style>
+        <p:txBody>
+          <a:bodyPr rtlCol="0" anchor="ctr"/>
+          <a:lstStyle/>
+          <a:p>
+            <a:pPr algn="ctr"/>
+            <a:r>
+              <a:rPr lang="zh-TW" altLang="en-US" dirty="0" smtClean="0"/>
+              <a:t>確定研究動機與範圍</a:t>
+            </a:r>
+            <a:endParaRPr lang="zh-TW" altLang="en-US" dirty="0"/>
+          </a:p>
+        </p:txBody>
+      </p:sp>
+      <p:sp>
+        <p:nvSpPr>
+          <p:cNvPr id="5" name="矩形 4"/>
+          <p:cNvSpPr/>
+          <p:nvPr/>
+        </p:nvSpPr>
+        <p:spPr>
+          <a:xfrm>
+            <a:off x="1646381" y="1979721"/>
+            <a:ext cx="2387601" cy="661139"/>
+          </a:xfrm>
+          <a:prstGeom prst="rect">
+            <a:avLst/>
+          </a:prstGeom>
+          <a:solidFill>
+            <a:srgbClr val="5065FF"/>
+          </a:solidFill>
+          <a:ln>
+            <a:solidFill>
+              <a:srgbClr val="5065FF"/>
+            </a:solidFill>
+          </a:ln>
+        </p:spPr>
+        <p:style>
+          <a:lnRef idx="1">
+            <a:schemeClr val="accent1"/>
+          </a:lnRef>
+          <a:fillRef idx="3">
+            <a:schemeClr val="accent1"/>
+          </a:fillRef>
+          <a:effectRef idx="2">
+            <a:schemeClr val="accent1"/>
+          </a:effectRef>
+          <a:fontRef idx="minor">
+            <a:schemeClr val="lt1"/>
+          </a:fontRef>
+        </p:style>
+        <p:txBody>
+          <a:bodyPr rtlCol="0" anchor="ctr"/>
+          <a:lstStyle/>
+          <a:p>
+            <a:pPr algn="ctr"/>
+            <a:r>
+              <a:rPr lang="zh-TW" altLang="en-US" dirty="0" smtClean="0"/>
+              <a:t>文獻收集與研讀</a:t>
+            </a:r>
+            <a:endParaRPr lang="zh-TW" altLang="en-US" dirty="0"/>
+          </a:p>
+        </p:txBody>
+      </p:sp>
+      <p:sp>
+        <p:nvSpPr>
+          <p:cNvPr id="7" name="矩形 6"/>
+          <p:cNvSpPr/>
+          <p:nvPr/>
+        </p:nvSpPr>
+        <p:spPr>
+          <a:xfrm>
+            <a:off x="4779817" y="1979721"/>
+            <a:ext cx="2401455" cy="661139"/>
+          </a:xfrm>
+          <a:prstGeom prst="rect">
+            <a:avLst/>
+          </a:prstGeom>
+          <a:solidFill>
+            <a:srgbClr val="5065FF"/>
+          </a:solidFill>
+          <a:ln>
+            <a:solidFill>
+              <a:srgbClr val="5065FF"/>
+            </a:solidFill>
+          </a:ln>
+        </p:spPr>
+        <p:style>
+          <a:lnRef idx="1">
+            <a:schemeClr val="accent1"/>
+          </a:lnRef>
+          <a:fillRef idx="3">
+            <a:schemeClr val="accent1"/>
+          </a:fillRef>
+          <a:effectRef idx="2">
+            <a:schemeClr val="accent1"/>
+          </a:effectRef>
+          <a:fontRef idx="minor">
+            <a:schemeClr val="lt1"/>
+          </a:fontRef>
+        </p:style>
+        <p:txBody>
+          <a:bodyPr rtlCol="0" anchor="ctr"/>
+          <a:lstStyle/>
+          <a:p>
+            <a:pPr algn="ctr"/>
+            <a:r>
+              <a:rPr lang="zh-TW" altLang="en-US" dirty="0" smtClean="0"/>
+              <a:t>進行實地訪談</a:t>
+            </a:r>
+            <a:endParaRPr lang="zh-TW" altLang="en-US" dirty="0"/>
+          </a:p>
+        </p:txBody>
+      </p:sp>
+      <p:sp>
+        <p:nvSpPr>
+          <p:cNvPr id="8" name="矩形 7"/>
+          <p:cNvSpPr/>
+          <p:nvPr/>
+        </p:nvSpPr>
+        <p:spPr>
+          <a:xfrm>
+            <a:off x="1646381" y="3005982"/>
+            <a:ext cx="2387601" cy="663358"/>
+          </a:xfrm>
+          <a:prstGeom prst="rect">
+            <a:avLst/>
+          </a:prstGeom>
+          <a:solidFill>
+            <a:srgbClr val="5065FF"/>
+          </a:solidFill>
+          <a:ln>
+            <a:solidFill>
+              <a:srgbClr val="5065FF"/>
+            </a:solidFill>
+          </a:ln>
+        </p:spPr>
+        <p:style>
+          <a:lnRef idx="1">
+            <a:schemeClr val="accent1"/>
+          </a:lnRef>
+          <a:fillRef idx="3">
+            <a:schemeClr val="accent1"/>
+          </a:fillRef>
+          <a:effectRef idx="2">
+            <a:schemeClr val="accent1"/>
+          </a:effectRef>
+          <a:fontRef idx="minor">
+            <a:schemeClr val="lt1"/>
+          </a:fontRef>
+        </p:style>
+        <p:txBody>
+          <a:bodyPr rtlCol="0" anchor="ctr"/>
+          <a:lstStyle/>
+          <a:p>
+            <a:pPr algn="ctr"/>
+            <a:r>
+              <a:rPr lang="zh-TW" altLang="en-US" dirty="0" smtClean="0"/>
+              <a:t>發展問卷架構</a:t>
+            </a:r>
+            <a:endParaRPr lang="zh-TW" altLang="en-US" dirty="0"/>
+          </a:p>
+        </p:txBody>
+      </p:sp>
+      <p:sp>
+        <p:nvSpPr>
+          <p:cNvPr id="9" name="矩形 8"/>
+          <p:cNvSpPr/>
+          <p:nvPr/>
+        </p:nvSpPr>
+        <p:spPr>
+          <a:xfrm>
+            <a:off x="4779817" y="3005982"/>
+            <a:ext cx="2396838" cy="663358"/>
+          </a:xfrm>
+          <a:prstGeom prst="rect">
+            <a:avLst/>
+          </a:prstGeom>
+          <a:solidFill>
+            <a:srgbClr val="5065FF"/>
+          </a:solidFill>
+          <a:ln>
+            <a:solidFill>
+              <a:srgbClr val="5065FF"/>
+            </a:solidFill>
+          </a:ln>
+        </p:spPr>
+        <p:style>
+          <a:lnRef idx="1">
+            <a:schemeClr val="accent1"/>
+          </a:lnRef>
+          <a:fillRef idx="3">
+            <a:schemeClr val="accent1"/>
+          </a:fillRef>
+          <a:effectRef idx="2">
+            <a:schemeClr val="accent1"/>
+          </a:effectRef>
+          <a:fontRef idx="minor">
+            <a:schemeClr val="lt1"/>
+          </a:fontRef>
+        </p:style>
+        <p:txBody>
+          <a:bodyPr rtlCol="0" anchor="ctr"/>
+          <a:lstStyle/>
+          <a:p>
+            <a:pPr algn="ctr"/>
+            <a:r>
+              <a:rPr lang="zh-TW" altLang="en-US" dirty="0"/>
+              <a:t>客群分析與訪查</a:t>
+            </a:r>
+          </a:p>
+        </p:txBody>
+      </p:sp>
+      <p:sp>
+        <p:nvSpPr>
+          <p:cNvPr id="10" name="矩形 9"/>
+          <p:cNvSpPr/>
+          <p:nvPr/>
+        </p:nvSpPr>
+        <p:spPr>
+          <a:xfrm>
+            <a:off x="2840182" y="3977569"/>
+            <a:ext cx="3140363" cy="670194"/>
+          </a:xfrm>
+          <a:prstGeom prst="rect">
+            <a:avLst/>
+          </a:prstGeom>
+          <a:solidFill>
+            <a:srgbClr val="5065FF"/>
+          </a:solidFill>
+          <a:ln>
+            <a:solidFill>
+              <a:srgbClr val="5065FF"/>
+            </a:solidFill>
+          </a:ln>
+        </p:spPr>
+        <p:style>
+          <a:lnRef idx="1">
+            <a:schemeClr val="accent1"/>
+          </a:lnRef>
+          <a:fillRef idx="3">
+            <a:schemeClr val="accent1"/>
+          </a:fillRef>
+          <a:effectRef idx="2">
+            <a:schemeClr val="accent1"/>
+          </a:effectRef>
+          <a:fontRef idx="minor">
+            <a:schemeClr val="lt1"/>
+          </a:fontRef>
+        </p:style>
+        <p:txBody>
+          <a:bodyPr rtlCol="0" anchor="ctr"/>
+          <a:lstStyle/>
+          <a:p>
+            <a:pPr algn="ctr"/>
+            <a:r>
+              <a:rPr lang="zh-TW" altLang="en-US" dirty="0"/>
+              <a:t>問卷制作與發</a:t>
+            </a:r>
+            <a:r>
+              <a:rPr lang="zh-TW" altLang="en-US" dirty="0" smtClean="0"/>
+              <a:t>放</a:t>
+            </a:r>
+            <a:endParaRPr lang="zh-TW" altLang="en-US" dirty="0"/>
+          </a:p>
+        </p:txBody>
+      </p:sp>
+      <p:sp>
+        <p:nvSpPr>
+          <p:cNvPr id="11" name="矩形 10"/>
+          <p:cNvSpPr/>
+          <p:nvPr/>
+        </p:nvSpPr>
+        <p:spPr>
+          <a:xfrm>
+            <a:off x="2840182" y="4956044"/>
+            <a:ext cx="3140363" cy="667607"/>
+          </a:xfrm>
+          <a:prstGeom prst="rect">
+            <a:avLst/>
+          </a:prstGeom>
+          <a:solidFill>
+            <a:srgbClr val="5065FF"/>
+          </a:solidFill>
+          <a:ln>
+            <a:solidFill>
+              <a:srgbClr val="5065FF"/>
+            </a:solidFill>
+          </a:ln>
+        </p:spPr>
+        <p:style>
+          <a:lnRef idx="1">
+            <a:schemeClr val="accent1"/>
+          </a:lnRef>
+          <a:fillRef idx="3">
+            <a:schemeClr val="accent1"/>
+          </a:fillRef>
+          <a:effectRef idx="2">
+            <a:schemeClr val="accent1"/>
+          </a:effectRef>
+          <a:fontRef idx="minor">
+            <a:schemeClr val="lt1"/>
+          </a:fontRef>
+        </p:style>
+        <p:txBody>
+          <a:bodyPr rtlCol="0" anchor="ctr"/>
+          <a:lstStyle/>
+          <a:p>
+            <a:pPr algn="ctr"/>
+            <a:r>
+              <a:rPr lang="zh-TW" altLang="en-US" dirty="0"/>
+              <a:t>問卷整理與數據</a:t>
+            </a:r>
+            <a:r>
+              <a:rPr lang="zh-TW" altLang="en-US" dirty="0" smtClean="0"/>
+              <a:t>分析</a:t>
+            </a:r>
+            <a:endParaRPr lang="zh-TW" altLang="en-US" dirty="0"/>
+          </a:p>
+        </p:txBody>
+      </p:sp>
+      <p:sp>
+        <p:nvSpPr>
+          <p:cNvPr id="12" name="矩形 11"/>
+          <p:cNvSpPr/>
+          <p:nvPr/>
+        </p:nvSpPr>
+        <p:spPr>
+          <a:xfrm>
+            <a:off x="2840182" y="5917711"/>
+            <a:ext cx="3140363" cy="667607"/>
+          </a:xfrm>
+          <a:prstGeom prst="rect">
+            <a:avLst/>
+          </a:prstGeom>
+          <a:solidFill>
+            <a:srgbClr val="5065FF"/>
+          </a:solidFill>
+          <a:ln>
+            <a:solidFill>
+              <a:srgbClr val="5065FF"/>
+            </a:solidFill>
+          </a:ln>
+        </p:spPr>
+        <p:style>
+          <a:lnRef idx="1">
+            <a:schemeClr val="accent1"/>
+          </a:lnRef>
+          <a:fillRef idx="3">
+            <a:schemeClr val="accent1"/>
+          </a:fillRef>
+          <a:effectRef idx="2">
+            <a:schemeClr val="accent1"/>
+          </a:effectRef>
+          <a:fontRef idx="minor">
+            <a:schemeClr val="lt1"/>
+          </a:fontRef>
+        </p:style>
+        <p:txBody>
+          <a:bodyPr rtlCol="0" anchor="ctr"/>
+          <a:lstStyle/>
+          <a:p>
+            <a:pPr algn="ctr"/>
+            <a:r>
+              <a:rPr lang="zh-TW" altLang="en-US" dirty="0"/>
+              <a:t>結論與探討</a:t>
+            </a:r>
+          </a:p>
+        </p:txBody>
+      </p:sp>
+      <p:cxnSp>
+        <p:nvCxnSpPr>
+          <p:cNvPr id="18" name="肘形接點 17"/>
+          <p:cNvCxnSpPr>
+            <a:stCxn id="4" idx="2"/>
+            <a:endCxn id="5" idx="0"/>
+          </p:cNvCxnSpPr>
+          <p:nvPr/>
+        </p:nvCxnSpPr>
+        <p:spPr>
+          <a:xfrm rot="5400000">
+            <a:off x="3362776" y="932133"/>
+            <a:ext cx="524994" cy="1570182"/>
+          </a:xfrm>
+          <a:prstGeom prst="bentConnector3">
+            <a:avLst/>
+          </a:prstGeom>
+          <a:ln>
+            <a:tailEnd type="arrow"/>
+          </a:ln>
+        </p:spPr>
+        <p:style>
+          <a:lnRef idx="2">
+            <a:schemeClr val="accent1"/>
+          </a:lnRef>
+          <a:fillRef idx="0">
+            <a:schemeClr val="accent1"/>
+          </a:fillRef>
+          <a:effectRef idx="1">
+            <a:schemeClr val="accent1"/>
+          </a:effectRef>
+          <a:fontRef idx="minor">
+            <a:schemeClr val="tx1"/>
+          </a:fontRef>
+        </p:style>
+      </p:cxnSp>
+      <p:cxnSp>
+        <p:nvCxnSpPr>
+          <p:cNvPr id="20" name="肘形接點 19"/>
+          <p:cNvCxnSpPr>
+            <a:stCxn id="4" idx="2"/>
+            <a:endCxn id="7" idx="0"/>
+          </p:cNvCxnSpPr>
+          <p:nvPr/>
+        </p:nvCxnSpPr>
+        <p:spPr>
+          <a:xfrm rot="16200000" flipH="1">
+            <a:off x="4932957" y="932133"/>
+            <a:ext cx="524994" cy="1570181"/>
+          </a:xfrm>
+          <a:prstGeom prst="bentConnector3">
+            <a:avLst/>
+          </a:prstGeom>
+          <a:ln>
+            <a:tailEnd type="arrow"/>
+          </a:ln>
+        </p:spPr>
+        <p:style>
+          <a:lnRef idx="2">
+            <a:schemeClr val="accent1"/>
+          </a:lnRef>
+          <a:fillRef idx="0">
+            <a:schemeClr val="accent1"/>
+          </a:fillRef>
+          <a:effectRef idx="1">
+            <a:schemeClr val="accent1"/>
+          </a:effectRef>
+          <a:fontRef idx="minor">
+            <a:schemeClr val="tx1"/>
+          </a:fontRef>
+        </p:style>
+      </p:cxnSp>
+      <p:cxnSp>
+        <p:nvCxnSpPr>
+          <p:cNvPr id="22" name="直線箭頭接點 21"/>
+          <p:cNvCxnSpPr>
+            <a:stCxn id="7" idx="2"/>
+            <a:endCxn id="9" idx="0"/>
+          </p:cNvCxnSpPr>
+          <p:nvPr/>
+        </p:nvCxnSpPr>
+        <p:spPr>
+          <a:xfrm flipH="1">
+            <a:off x="5978236" y="2640860"/>
+            <a:ext cx="2309" cy="365122"/>
+          </a:xfrm>
+          <a:prstGeom prst="straightConnector1">
+            <a:avLst/>
+          </a:prstGeom>
+          <a:ln>
+            <a:tailEnd type="arrow"/>
+          </a:ln>
+        </p:spPr>
+        <p:style>
+          <a:lnRef idx="2">
+            <a:schemeClr val="accent1"/>
+          </a:lnRef>
+          <a:fillRef idx="0">
+            <a:schemeClr val="accent1"/>
+          </a:fillRef>
+          <a:effectRef idx="1">
+            <a:schemeClr val="accent1"/>
+          </a:effectRef>
+          <a:fontRef idx="minor">
+            <a:schemeClr val="tx1"/>
+          </a:fontRef>
+        </p:style>
+      </p:cxnSp>
+      <p:cxnSp>
+        <p:nvCxnSpPr>
+          <p:cNvPr id="24" name="直線箭頭接點 23"/>
+          <p:cNvCxnSpPr>
+            <a:stCxn id="5" idx="2"/>
+            <a:endCxn id="8" idx="0"/>
+          </p:cNvCxnSpPr>
+          <p:nvPr/>
+        </p:nvCxnSpPr>
+        <p:spPr>
+          <a:xfrm>
+            <a:off x="2840182" y="2640860"/>
+            <a:ext cx="0" cy="365122"/>
+          </a:xfrm>
+          <a:prstGeom prst="straightConnector1">
+            <a:avLst/>
+          </a:prstGeom>
+          <a:ln>
+            <a:tailEnd type="arrow"/>
+          </a:ln>
+        </p:spPr>
+        <p:style>
+          <a:lnRef idx="2">
+            <a:schemeClr val="accent1"/>
+          </a:lnRef>
+          <a:fillRef idx="0">
+            <a:schemeClr val="accent1"/>
+          </a:fillRef>
+          <a:effectRef idx="1">
+            <a:schemeClr val="accent1"/>
+          </a:effectRef>
+          <a:fontRef idx="minor">
+            <a:schemeClr val="tx1"/>
+          </a:fontRef>
+        </p:style>
+      </p:cxnSp>
+      <p:cxnSp>
+        <p:nvCxnSpPr>
+          <p:cNvPr id="26" name="肘形接點 25"/>
+          <p:cNvCxnSpPr>
+            <a:stCxn id="8" idx="2"/>
+            <a:endCxn id="10" idx="0"/>
+          </p:cNvCxnSpPr>
+          <p:nvPr/>
+        </p:nvCxnSpPr>
+        <p:spPr>
+          <a:xfrm rot="16200000" flipH="1">
+            <a:off x="3471159" y="3038363"/>
+            <a:ext cx="308229" cy="1570182"/>
+          </a:xfrm>
+          <a:prstGeom prst="bentConnector3">
+            <a:avLst/>
+          </a:prstGeom>
+          <a:ln>
+            <a:tailEnd type="arrow"/>
+          </a:ln>
+        </p:spPr>
+        <p:style>
+          <a:lnRef idx="2">
+            <a:schemeClr val="accent1"/>
+          </a:lnRef>
+          <a:fillRef idx="0">
+            <a:schemeClr val="accent1"/>
+          </a:fillRef>
+          <a:effectRef idx="1">
+            <a:schemeClr val="accent1"/>
+          </a:effectRef>
+          <a:fontRef idx="minor">
+            <a:schemeClr val="tx1"/>
+          </a:fontRef>
+        </p:style>
+      </p:cxnSp>
+      <p:cxnSp>
+        <p:nvCxnSpPr>
+          <p:cNvPr id="32" name="肘形接點 31"/>
+          <p:cNvCxnSpPr>
+            <a:stCxn id="9" idx="2"/>
+            <a:endCxn id="10" idx="0"/>
+          </p:cNvCxnSpPr>
+          <p:nvPr/>
+        </p:nvCxnSpPr>
+        <p:spPr>
+          <a:xfrm rot="5400000">
+            <a:off x="5040186" y="3039518"/>
+            <a:ext cx="308229" cy="1567872"/>
+          </a:xfrm>
+          <a:prstGeom prst="bentConnector3">
+            <a:avLst/>
+          </a:prstGeom>
+          <a:ln>
+            <a:tailEnd type="arrow"/>
+          </a:ln>
+        </p:spPr>
+        <p:style>
+          <a:lnRef idx="2">
+            <a:schemeClr val="accent1"/>
+          </a:lnRef>
+          <a:fillRef idx="0">
+            <a:schemeClr val="accent1"/>
+          </a:fillRef>
+          <a:effectRef idx="1">
+            <a:schemeClr val="accent1"/>
+          </a:effectRef>
+          <a:fontRef idx="minor">
+            <a:schemeClr val="tx1"/>
+          </a:fontRef>
+        </p:style>
+      </p:cxnSp>
+      <p:cxnSp>
+        <p:nvCxnSpPr>
+          <p:cNvPr id="34" name="直線箭頭接點 33"/>
+          <p:cNvCxnSpPr>
+            <a:stCxn id="10" idx="2"/>
+            <a:endCxn id="11" idx="0"/>
+          </p:cNvCxnSpPr>
+          <p:nvPr/>
+        </p:nvCxnSpPr>
+        <p:spPr>
+          <a:xfrm>
+            <a:off x="4410364" y="4647763"/>
+            <a:ext cx="0" cy="308281"/>
+          </a:xfrm>
+          <a:prstGeom prst="straightConnector1">
+            <a:avLst/>
+          </a:prstGeom>
+          <a:ln>
+            <a:tailEnd type="arrow"/>
+          </a:ln>
+        </p:spPr>
+        <p:style>
+          <a:lnRef idx="2">
+            <a:schemeClr val="accent1"/>
+          </a:lnRef>
+          <a:fillRef idx="0">
+            <a:schemeClr val="accent1"/>
+          </a:fillRef>
+          <a:effectRef idx="1">
+            <a:schemeClr val="accent1"/>
+          </a:effectRef>
+          <a:fontRef idx="minor">
+            <a:schemeClr val="tx1"/>
+          </a:fontRef>
+        </p:style>
+      </p:cxnSp>
+      <p:cxnSp>
+        <p:nvCxnSpPr>
+          <p:cNvPr id="38" name="直線箭頭接點 37"/>
+          <p:cNvCxnSpPr>
+            <a:stCxn id="11" idx="2"/>
+            <a:endCxn id="12" idx="0"/>
+          </p:cNvCxnSpPr>
+          <p:nvPr/>
+        </p:nvCxnSpPr>
+        <p:spPr>
+          <a:xfrm>
+            <a:off x="4410364" y="5623651"/>
+            <a:ext cx="0" cy="294060"/>
+          </a:xfrm>
+          <a:prstGeom prst="straightConnector1">
+            <a:avLst/>
+          </a:prstGeom>
+          <a:ln>
+            <a:tailEnd type="arrow"/>
+          </a:ln>
+        </p:spPr>
+        <p:style>
+          <a:lnRef idx="2">
+            <a:schemeClr val="accent1"/>
+          </a:lnRef>
+          <a:fillRef idx="0">
+            <a:schemeClr val="accent1"/>
+          </a:fillRef>
+          <a:effectRef idx="1">
+            <a:schemeClr val="accent1"/>
+          </a:effectRef>
+          <a:fontRef idx="minor">
+            <a:schemeClr val="tx1"/>
+          </a:fontRef>
+        </p:style>
+      </p:cxnSp>
     </p:spTree>
     <p:extLst>
       <p:ext uri="{BB962C8B-B14F-4D97-AF65-F5344CB8AC3E}">
-        <p14:creationId xmlns:p14="http://schemas.microsoft.com/office/powerpoint/2010/main" val="2555622892"/>
+        <p14:creationId xmlns:p14="http://schemas.microsoft.com/office/powerpoint/2010/main" val="745302263"/>
       </p:ext>
     </p:extLst>
   </p:cSld>
@@ -30827,9 +31588,1001 @@
   <p:timing>
     <p:tnLst>
       <p:par>
-        <p:cTn xmlns:p14="http://schemas.microsoft.com/office/powerpoint/2010/main" id="1" dur="indefinite" restart="never" nodeType="tmRoot"/>
+        <p:cTn xmlns:p14="http://schemas.microsoft.com/office/powerpoint/2010/main" id="1" dur="indefinite" restart="never" nodeType="tmRoot">
+          <p:childTnLst>
+            <p:seq concurrent="1" nextAc="seek">
+              <p:cTn id="2" dur="indefinite" nodeType="mainSeq">
+                <p:childTnLst>
+                  <p:par>
+                    <p:cTn id="3" fill="hold">
+                      <p:stCondLst>
+                        <p:cond delay="indefinite"/>
+                      </p:stCondLst>
+                      <p:childTnLst>
+                        <p:par>
+                          <p:cTn id="4" fill="hold">
+                            <p:stCondLst>
+                              <p:cond delay="0"/>
+                            </p:stCondLst>
+                            <p:childTnLst>
+                              <p:par>
+                                <p:cTn id="5" presetID="12" presetClass="entr" presetSubtype="1" fill="hold" nodeType="clickEffect">
+                                  <p:stCondLst>
+                                    <p:cond delay="0"/>
+                                  </p:stCondLst>
+                                  <p:childTnLst>
+                                    <p:set>
+                                      <p:cBhvr>
+                                        <p:cTn id="6" dur="1" fill="hold">
+                                          <p:stCondLst>
+                                            <p:cond delay="0"/>
+                                          </p:stCondLst>
+                                        </p:cTn>
+                                        <p:tgtEl>
+                                          <p:spTgt spid="20"/>
+                                        </p:tgtEl>
+                                        <p:attrNameLst>
+                                          <p:attrName>style.visibility</p:attrName>
+                                        </p:attrNameLst>
+                                      </p:cBhvr>
+                                      <p:to>
+                                        <p:strVal val="visible"/>
+                                      </p:to>
+                                    </p:set>
+                                    <p:anim calcmode="lin" valueType="num">
+                                      <p:cBhvr additive="base">
+                                        <p:cTn id="7" dur="500"/>
+                                        <p:tgtEl>
+                                          <p:spTgt spid="20"/>
+                                        </p:tgtEl>
+                                        <p:attrNameLst>
+                                          <p:attrName>ppt_y</p:attrName>
+                                        </p:attrNameLst>
+                                      </p:cBhvr>
+                                      <p:tavLst>
+                                        <p:tav tm="0">
+                                          <p:val>
+                                            <p:strVal val="#ppt_y-#ppt_h*1.125000"/>
+                                          </p:val>
+                                        </p:tav>
+                                        <p:tav tm="100000">
+                                          <p:val>
+                                            <p:strVal val="#ppt_y"/>
+                                          </p:val>
+                                        </p:tav>
+                                      </p:tavLst>
+                                    </p:anim>
+                                    <p:animEffect transition="in" filter="wipe(down)">
+                                      <p:cBhvr>
+                                        <p:cTn id="8" dur="500"/>
+                                        <p:tgtEl>
+                                          <p:spTgt spid="20"/>
+                                        </p:tgtEl>
+                                      </p:cBhvr>
+                                    </p:animEffect>
+                                  </p:childTnLst>
+                                </p:cTn>
+                              </p:par>
+                              <p:par>
+                                <p:cTn id="9" presetID="12" presetClass="entr" presetSubtype="1" fill="hold" nodeType="withEffect">
+                                  <p:stCondLst>
+                                    <p:cond delay="0"/>
+                                  </p:stCondLst>
+                                  <p:childTnLst>
+                                    <p:set>
+                                      <p:cBhvr>
+                                        <p:cTn id="10" dur="1" fill="hold">
+                                          <p:stCondLst>
+                                            <p:cond delay="0"/>
+                                          </p:stCondLst>
+                                        </p:cTn>
+                                        <p:tgtEl>
+                                          <p:spTgt spid="18"/>
+                                        </p:tgtEl>
+                                        <p:attrNameLst>
+                                          <p:attrName>style.visibility</p:attrName>
+                                        </p:attrNameLst>
+                                      </p:cBhvr>
+                                      <p:to>
+                                        <p:strVal val="visible"/>
+                                      </p:to>
+                                    </p:set>
+                                    <p:anim calcmode="lin" valueType="num">
+                                      <p:cBhvr additive="base">
+                                        <p:cTn id="11" dur="500"/>
+                                        <p:tgtEl>
+                                          <p:spTgt spid="18"/>
+                                        </p:tgtEl>
+                                        <p:attrNameLst>
+                                          <p:attrName>ppt_y</p:attrName>
+                                        </p:attrNameLst>
+                                      </p:cBhvr>
+                                      <p:tavLst>
+                                        <p:tav tm="0">
+                                          <p:val>
+                                            <p:strVal val="#ppt_y-#ppt_h*1.125000"/>
+                                          </p:val>
+                                        </p:tav>
+                                        <p:tav tm="100000">
+                                          <p:val>
+                                            <p:strVal val="#ppt_y"/>
+                                          </p:val>
+                                        </p:tav>
+                                      </p:tavLst>
+                                    </p:anim>
+                                    <p:animEffect transition="in" filter="wipe(down)">
+                                      <p:cBhvr>
+                                        <p:cTn id="12" dur="500"/>
+                                        <p:tgtEl>
+                                          <p:spTgt spid="18"/>
+                                        </p:tgtEl>
+                                      </p:cBhvr>
+                                    </p:animEffect>
+                                  </p:childTnLst>
+                                </p:cTn>
+                              </p:par>
+                              <p:par>
+                                <p:cTn id="13" presetID="12" presetClass="entr" presetSubtype="1" fill="hold" grpId="0" nodeType="withEffect">
+                                  <p:stCondLst>
+                                    <p:cond delay="0"/>
+                                  </p:stCondLst>
+                                  <p:childTnLst>
+                                    <p:set>
+                                      <p:cBhvr>
+                                        <p:cTn id="14" dur="1" fill="hold">
+                                          <p:stCondLst>
+                                            <p:cond delay="0"/>
+                                          </p:stCondLst>
+                                        </p:cTn>
+                                        <p:tgtEl>
+                                          <p:spTgt spid="5"/>
+                                        </p:tgtEl>
+                                        <p:attrNameLst>
+                                          <p:attrName>style.visibility</p:attrName>
+                                        </p:attrNameLst>
+                                      </p:cBhvr>
+                                      <p:to>
+                                        <p:strVal val="visible"/>
+                                      </p:to>
+                                    </p:set>
+                                    <p:anim calcmode="lin" valueType="num">
+                                      <p:cBhvr additive="base">
+                                        <p:cTn id="15" dur="500"/>
+                                        <p:tgtEl>
+                                          <p:spTgt spid="5"/>
+                                        </p:tgtEl>
+                                        <p:attrNameLst>
+                                          <p:attrName>ppt_y</p:attrName>
+                                        </p:attrNameLst>
+                                      </p:cBhvr>
+                                      <p:tavLst>
+                                        <p:tav tm="0">
+                                          <p:val>
+                                            <p:strVal val="#ppt_y-#ppt_h*1.125000"/>
+                                          </p:val>
+                                        </p:tav>
+                                        <p:tav tm="100000">
+                                          <p:val>
+                                            <p:strVal val="#ppt_y"/>
+                                          </p:val>
+                                        </p:tav>
+                                      </p:tavLst>
+                                    </p:anim>
+                                    <p:animEffect transition="in" filter="wipe(down)">
+                                      <p:cBhvr>
+                                        <p:cTn id="16" dur="500"/>
+                                        <p:tgtEl>
+                                          <p:spTgt spid="5"/>
+                                        </p:tgtEl>
+                                      </p:cBhvr>
+                                    </p:animEffect>
+                                  </p:childTnLst>
+                                </p:cTn>
+                              </p:par>
+                              <p:par>
+                                <p:cTn id="17" presetID="12" presetClass="entr" presetSubtype="1" fill="hold" grpId="0" nodeType="withEffect">
+                                  <p:stCondLst>
+                                    <p:cond delay="0"/>
+                                  </p:stCondLst>
+                                  <p:childTnLst>
+                                    <p:set>
+                                      <p:cBhvr>
+                                        <p:cTn id="18" dur="1" fill="hold">
+                                          <p:stCondLst>
+                                            <p:cond delay="0"/>
+                                          </p:stCondLst>
+                                        </p:cTn>
+                                        <p:tgtEl>
+                                          <p:spTgt spid="7"/>
+                                        </p:tgtEl>
+                                        <p:attrNameLst>
+                                          <p:attrName>style.visibility</p:attrName>
+                                        </p:attrNameLst>
+                                      </p:cBhvr>
+                                      <p:to>
+                                        <p:strVal val="visible"/>
+                                      </p:to>
+                                    </p:set>
+                                    <p:anim calcmode="lin" valueType="num">
+                                      <p:cBhvr additive="base">
+                                        <p:cTn id="19" dur="500"/>
+                                        <p:tgtEl>
+                                          <p:spTgt spid="7"/>
+                                        </p:tgtEl>
+                                        <p:attrNameLst>
+                                          <p:attrName>ppt_y</p:attrName>
+                                        </p:attrNameLst>
+                                      </p:cBhvr>
+                                      <p:tavLst>
+                                        <p:tav tm="0">
+                                          <p:val>
+                                            <p:strVal val="#ppt_y-#ppt_h*1.125000"/>
+                                          </p:val>
+                                        </p:tav>
+                                        <p:tav tm="100000">
+                                          <p:val>
+                                            <p:strVal val="#ppt_y"/>
+                                          </p:val>
+                                        </p:tav>
+                                      </p:tavLst>
+                                    </p:anim>
+                                    <p:animEffect transition="in" filter="wipe(down)">
+                                      <p:cBhvr>
+                                        <p:cTn id="20" dur="500"/>
+                                        <p:tgtEl>
+                                          <p:spTgt spid="7"/>
+                                        </p:tgtEl>
+                                      </p:cBhvr>
+                                    </p:animEffect>
+                                  </p:childTnLst>
+                                </p:cTn>
+                              </p:par>
+                            </p:childTnLst>
+                          </p:cTn>
+                        </p:par>
+                      </p:childTnLst>
+                    </p:cTn>
+                  </p:par>
+                  <p:par>
+                    <p:cTn id="21" fill="hold">
+                      <p:stCondLst>
+                        <p:cond delay="indefinite"/>
+                      </p:stCondLst>
+                      <p:childTnLst>
+                        <p:par>
+                          <p:cTn id="22" fill="hold">
+                            <p:stCondLst>
+                              <p:cond delay="0"/>
+                            </p:stCondLst>
+                            <p:childTnLst>
+                              <p:par>
+                                <p:cTn id="23" presetID="12" presetClass="entr" presetSubtype="1" fill="hold" grpId="0" nodeType="clickEffect">
+                                  <p:stCondLst>
+                                    <p:cond delay="0"/>
+                                  </p:stCondLst>
+                                  <p:childTnLst>
+                                    <p:set>
+                                      <p:cBhvr>
+                                        <p:cTn id="24" dur="1" fill="hold">
+                                          <p:stCondLst>
+                                            <p:cond delay="0"/>
+                                          </p:stCondLst>
+                                        </p:cTn>
+                                        <p:tgtEl>
+                                          <p:spTgt spid="9"/>
+                                        </p:tgtEl>
+                                        <p:attrNameLst>
+                                          <p:attrName>style.visibility</p:attrName>
+                                        </p:attrNameLst>
+                                      </p:cBhvr>
+                                      <p:to>
+                                        <p:strVal val="visible"/>
+                                      </p:to>
+                                    </p:set>
+                                    <p:anim calcmode="lin" valueType="num">
+                                      <p:cBhvr additive="base">
+                                        <p:cTn id="25" dur="500"/>
+                                        <p:tgtEl>
+                                          <p:spTgt spid="9"/>
+                                        </p:tgtEl>
+                                        <p:attrNameLst>
+                                          <p:attrName>ppt_y</p:attrName>
+                                        </p:attrNameLst>
+                                      </p:cBhvr>
+                                      <p:tavLst>
+                                        <p:tav tm="0">
+                                          <p:val>
+                                            <p:strVal val="#ppt_y-#ppt_h*1.125000"/>
+                                          </p:val>
+                                        </p:tav>
+                                        <p:tav tm="100000">
+                                          <p:val>
+                                            <p:strVal val="#ppt_y"/>
+                                          </p:val>
+                                        </p:tav>
+                                      </p:tavLst>
+                                    </p:anim>
+                                    <p:animEffect transition="in" filter="wipe(down)">
+                                      <p:cBhvr>
+                                        <p:cTn id="26" dur="500"/>
+                                        <p:tgtEl>
+                                          <p:spTgt spid="9"/>
+                                        </p:tgtEl>
+                                      </p:cBhvr>
+                                    </p:animEffect>
+                                  </p:childTnLst>
+                                </p:cTn>
+                              </p:par>
+                              <p:par>
+                                <p:cTn id="27" presetID="12" presetClass="entr" presetSubtype="1" fill="hold" grpId="0" nodeType="withEffect">
+                                  <p:stCondLst>
+                                    <p:cond delay="0"/>
+                                  </p:stCondLst>
+                                  <p:childTnLst>
+                                    <p:set>
+                                      <p:cBhvr>
+                                        <p:cTn id="28" dur="1" fill="hold">
+                                          <p:stCondLst>
+                                            <p:cond delay="0"/>
+                                          </p:stCondLst>
+                                        </p:cTn>
+                                        <p:tgtEl>
+                                          <p:spTgt spid="8"/>
+                                        </p:tgtEl>
+                                        <p:attrNameLst>
+                                          <p:attrName>style.visibility</p:attrName>
+                                        </p:attrNameLst>
+                                      </p:cBhvr>
+                                      <p:to>
+                                        <p:strVal val="visible"/>
+                                      </p:to>
+                                    </p:set>
+                                    <p:anim calcmode="lin" valueType="num">
+                                      <p:cBhvr additive="base">
+                                        <p:cTn id="29" dur="500"/>
+                                        <p:tgtEl>
+                                          <p:spTgt spid="8"/>
+                                        </p:tgtEl>
+                                        <p:attrNameLst>
+                                          <p:attrName>ppt_y</p:attrName>
+                                        </p:attrNameLst>
+                                      </p:cBhvr>
+                                      <p:tavLst>
+                                        <p:tav tm="0">
+                                          <p:val>
+                                            <p:strVal val="#ppt_y-#ppt_h*1.125000"/>
+                                          </p:val>
+                                        </p:tav>
+                                        <p:tav tm="100000">
+                                          <p:val>
+                                            <p:strVal val="#ppt_y"/>
+                                          </p:val>
+                                        </p:tav>
+                                      </p:tavLst>
+                                    </p:anim>
+                                    <p:animEffect transition="in" filter="wipe(down)">
+                                      <p:cBhvr>
+                                        <p:cTn id="30" dur="500"/>
+                                        <p:tgtEl>
+                                          <p:spTgt spid="8"/>
+                                        </p:tgtEl>
+                                      </p:cBhvr>
+                                    </p:animEffect>
+                                  </p:childTnLst>
+                                </p:cTn>
+                              </p:par>
+                              <p:par>
+                                <p:cTn id="31" presetID="12" presetClass="entr" presetSubtype="1" fill="hold" nodeType="withEffect">
+                                  <p:stCondLst>
+                                    <p:cond delay="0"/>
+                                  </p:stCondLst>
+                                  <p:childTnLst>
+                                    <p:set>
+                                      <p:cBhvr>
+                                        <p:cTn id="32" dur="1" fill="hold">
+                                          <p:stCondLst>
+                                            <p:cond delay="0"/>
+                                          </p:stCondLst>
+                                        </p:cTn>
+                                        <p:tgtEl>
+                                          <p:spTgt spid="24"/>
+                                        </p:tgtEl>
+                                        <p:attrNameLst>
+                                          <p:attrName>style.visibility</p:attrName>
+                                        </p:attrNameLst>
+                                      </p:cBhvr>
+                                      <p:to>
+                                        <p:strVal val="visible"/>
+                                      </p:to>
+                                    </p:set>
+                                    <p:anim calcmode="lin" valueType="num">
+                                      <p:cBhvr additive="base">
+                                        <p:cTn id="33" dur="500"/>
+                                        <p:tgtEl>
+                                          <p:spTgt spid="24"/>
+                                        </p:tgtEl>
+                                        <p:attrNameLst>
+                                          <p:attrName>ppt_y</p:attrName>
+                                        </p:attrNameLst>
+                                      </p:cBhvr>
+                                      <p:tavLst>
+                                        <p:tav tm="0">
+                                          <p:val>
+                                            <p:strVal val="#ppt_y-#ppt_h*1.125000"/>
+                                          </p:val>
+                                        </p:tav>
+                                        <p:tav tm="100000">
+                                          <p:val>
+                                            <p:strVal val="#ppt_y"/>
+                                          </p:val>
+                                        </p:tav>
+                                      </p:tavLst>
+                                    </p:anim>
+                                    <p:animEffect transition="in" filter="wipe(down)">
+                                      <p:cBhvr>
+                                        <p:cTn id="34" dur="500"/>
+                                        <p:tgtEl>
+                                          <p:spTgt spid="24"/>
+                                        </p:tgtEl>
+                                      </p:cBhvr>
+                                    </p:animEffect>
+                                  </p:childTnLst>
+                                </p:cTn>
+                              </p:par>
+                              <p:par>
+                                <p:cTn id="35" presetID="12" presetClass="entr" presetSubtype="1" fill="hold" nodeType="withEffect">
+                                  <p:stCondLst>
+                                    <p:cond delay="0"/>
+                                  </p:stCondLst>
+                                  <p:childTnLst>
+                                    <p:set>
+                                      <p:cBhvr>
+                                        <p:cTn id="36" dur="1" fill="hold">
+                                          <p:stCondLst>
+                                            <p:cond delay="0"/>
+                                          </p:stCondLst>
+                                        </p:cTn>
+                                        <p:tgtEl>
+                                          <p:spTgt spid="22"/>
+                                        </p:tgtEl>
+                                        <p:attrNameLst>
+                                          <p:attrName>style.visibility</p:attrName>
+                                        </p:attrNameLst>
+                                      </p:cBhvr>
+                                      <p:to>
+                                        <p:strVal val="visible"/>
+                                      </p:to>
+                                    </p:set>
+                                    <p:anim calcmode="lin" valueType="num">
+                                      <p:cBhvr additive="base">
+                                        <p:cTn id="37" dur="500"/>
+                                        <p:tgtEl>
+                                          <p:spTgt spid="22"/>
+                                        </p:tgtEl>
+                                        <p:attrNameLst>
+                                          <p:attrName>ppt_y</p:attrName>
+                                        </p:attrNameLst>
+                                      </p:cBhvr>
+                                      <p:tavLst>
+                                        <p:tav tm="0">
+                                          <p:val>
+                                            <p:strVal val="#ppt_y-#ppt_h*1.125000"/>
+                                          </p:val>
+                                        </p:tav>
+                                        <p:tav tm="100000">
+                                          <p:val>
+                                            <p:strVal val="#ppt_y"/>
+                                          </p:val>
+                                        </p:tav>
+                                      </p:tavLst>
+                                    </p:anim>
+                                    <p:animEffect transition="in" filter="wipe(down)">
+                                      <p:cBhvr>
+                                        <p:cTn id="38" dur="500"/>
+                                        <p:tgtEl>
+                                          <p:spTgt spid="22"/>
+                                        </p:tgtEl>
+                                      </p:cBhvr>
+                                    </p:animEffect>
+                                  </p:childTnLst>
+                                </p:cTn>
+                              </p:par>
+                            </p:childTnLst>
+                          </p:cTn>
+                        </p:par>
+                      </p:childTnLst>
+                    </p:cTn>
+                  </p:par>
+                  <p:par>
+                    <p:cTn id="39" fill="hold">
+                      <p:stCondLst>
+                        <p:cond delay="indefinite"/>
+                      </p:stCondLst>
+                      <p:childTnLst>
+                        <p:par>
+                          <p:cTn id="40" fill="hold">
+                            <p:stCondLst>
+                              <p:cond delay="0"/>
+                            </p:stCondLst>
+                            <p:childTnLst>
+                              <p:par>
+                                <p:cTn id="41" presetID="12" presetClass="entr" presetSubtype="1" fill="hold" grpId="0" nodeType="clickEffect">
+                                  <p:stCondLst>
+                                    <p:cond delay="0"/>
+                                  </p:stCondLst>
+                                  <p:childTnLst>
+                                    <p:set>
+                                      <p:cBhvr>
+                                        <p:cTn id="42" dur="1" fill="hold">
+                                          <p:stCondLst>
+                                            <p:cond delay="0"/>
+                                          </p:stCondLst>
+                                        </p:cTn>
+                                        <p:tgtEl>
+                                          <p:spTgt spid="10"/>
+                                        </p:tgtEl>
+                                        <p:attrNameLst>
+                                          <p:attrName>style.visibility</p:attrName>
+                                        </p:attrNameLst>
+                                      </p:cBhvr>
+                                      <p:to>
+                                        <p:strVal val="visible"/>
+                                      </p:to>
+                                    </p:set>
+                                    <p:anim calcmode="lin" valueType="num">
+                                      <p:cBhvr additive="base">
+                                        <p:cTn id="43" dur="500"/>
+                                        <p:tgtEl>
+                                          <p:spTgt spid="10"/>
+                                        </p:tgtEl>
+                                        <p:attrNameLst>
+                                          <p:attrName>ppt_y</p:attrName>
+                                        </p:attrNameLst>
+                                      </p:cBhvr>
+                                      <p:tavLst>
+                                        <p:tav tm="0">
+                                          <p:val>
+                                            <p:strVal val="#ppt_y-#ppt_h*1.125000"/>
+                                          </p:val>
+                                        </p:tav>
+                                        <p:tav tm="100000">
+                                          <p:val>
+                                            <p:strVal val="#ppt_y"/>
+                                          </p:val>
+                                        </p:tav>
+                                      </p:tavLst>
+                                    </p:anim>
+                                    <p:animEffect transition="in" filter="wipe(down)">
+                                      <p:cBhvr>
+                                        <p:cTn id="44" dur="500"/>
+                                        <p:tgtEl>
+                                          <p:spTgt spid="10"/>
+                                        </p:tgtEl>
+                                      </p:cBhvr>
+                                    </p:animEffect>
+                                  </p:childTnLst>
+                                </p:cTn>
+                              </p:par>
+                              <p:par>
+                                <p:cTn id="45" presetID="12" presetClass="entr" presetSubtype="1" fill="hold" nodeType="withEffect">
+                                  <p:stCondLst>
+                                    <p:cond delay="0"/>
+                                  </p:stCondLst>
+                                  <p:childTnLst>
+                                    <p:set>
+                                      <p:cBhvr>
+                                        <p:cTn id="46" dur="1" fill="hold">
+                                          <p:stCondLst>
+                                            <p:cond delay="0"/>
+                                          </p:stCondLst>
+                                        </p:cTn>
+                                        <p:tgtEl>
+                                          <p:spTgt spid="26"/>
+                                        </p:tgtEl>
+                                        <p:attrNameLst>
+                                          <p:attrName>style.visibility</p:attrName>
+                                        </p:attrNameLst>
+                                      </p:cBhvr>
+                                      <p:to>
+                                        <p:strVal val="visible"/>
+                                      </p:to>
+                                    </p:set>
+                                    <p:anim calcmode="lin" valueType="num">
+                                      <p:cBhvr additive="base">
+                                        <p:cTn id="47" dur="500"/>
+                                        <p:tgtEl>
+                                          <p:spTgt spid="26"/>
+                                        </p:tgtEl>
+                                        <p:attrNameLst>
+                                          <p:attrName>ppt_y</p:attrName>
+                                        </p:attrNameLst>
+                                      </p:cBhvr>
+                                      <p:tavLst>
+                                        <p:tav tm="0">
+                                          <p:val>
+                                            <p:strVal val="#ppt_y-#ppt_h*1.125000"/>
+                                          </p:val>
+                                        </p:tav>
+                                        <p:tav tm="100000">
+                                          <p:val>
+                                            <p:strVal val="#ppt_y"/>
+                                          </p:val>
+                                        </p:tav>
+                                      </p:tavLst>
+                                    </p:anim>
+                                    <p:animEffect transition="in" filter="wipe(down)">
+                                      <p:cBhvr>
+                                        <p:cTn id="48" dur="500"/>
+                                        <p:tgtEl>
+                                          <p:spTgt spid="26"/>
+                                        </p:tgtEl>
+                                      </p:cBhvr>
+                                    </p:animEffect>
+                                  </p:childTnLst>
+                                </p:cTn>
+                              </p:par>
+                              <p:par>
+                                <p:cTn id="49" presetID="12" presetClass="entr" presetSubtype="1" fill="hold" nodeType="withEffect">
+                                  <p:stCondLst>
+                                    <p:cond delay="0"/>
+                                  </p:stCondLst>
+                                  <p:childTnLst>
+                                    <p:set>
+                                      <p:cBhvr>
+                                        <p:cTn id="50" dur="1" fill="hold">
+                                          <p:stCondLst>
+                                            <p:cond delay="0"/>
+                                          </p:stCondLst>
+                                        </p:cTn>
+                                        <p:tgtEl>
+                                          <p:spTgt spid="32"/>
+                                        </p:tgtEl>
+                                        <p:attrNameLst>
+                                          <p:attrName>style.visibility</p:attrName>
+                                        </p:attrNameLst>
+                                      </p:cBhvr>
+                                      <p:to>
+                                        <p:strVal val="visible"/>
+                                      </p:to>
+                                    </p:set>
+                                    <p:anim calcmode="lin" valueType="num">
+                                      <p:cBhvr additive="base">
+                                        <p:cTn id="51" dur="500"/>
+                                        <p:tgtEl>
+                                          <p:spTgt spid="32"/>
+                                        </p:tgtEl>
+                                        <p:attrNameLst>
+                                          <p:attrName>ppt_y</p:attrName>
+                                        </p:attrNameLst>
+                                      </p:cBhvr>
+                                      <p:tavLst>
+                                        <p:tav tm="0">
+                                          <p:val>
+                                            <p:strVal val="#ppt_y-#ppt_h*1.125000"/>
+                                          </p:val>
+                                        </p:tav>
+                                        <p:tav tm="100000">
+                                          <p:val>
+                                            <p:strVal val="#ppt_y"/>
+                                          </p:val>
+                                        </p:tav>
+                                      </p:tavLst>
+                                    </p:anim>
+                                    <p:animEffect transition="in" filter="wipe(down)">
+                                      <p:cBhvr>
+                                        <p:cTn id="52" dur="500"/>
+                                        <p:tgtEl>
+                                          <p:spTgt spid="32"/>
+                                        </p:tgtEl>
+                                      </p:cBhvr>
+                                    </p:animEffect>
+                                  </p:childTnLst>
+                                </p:cTn>
+                              </p:par>
+                            </p:childTnLst>
+                          </p:cTn>
+                        </p:par>
+                      </p:childTnLst>
+                    </p:cTn>
+                  </p:par>
+                  <p:par>
+                    <p:cTn id="53" fill="hold">
+                      <p:stCondLst>
+                        <p:cond delay="indefinite"/>
+                      </p:stCondLst>
+                      <p:childTnLst>
+                        <p:par>
+                          <p:cTn id="54" fill="hold">
+                            <p:stCondLst>
+                              <p:cond delay="0"/>
+                            </p:stCondLst>
+                            <p:childTnLst>
+                              <p:par>
+                                <p:cTn id="55" presetID="12" presetClass="entr" presetSubtype="1" fill="hold" grpId="0" nodeType="clickEffect">
+                                  <p:stCondLst>
+                                    <p:cond delay="0"/>
+                                  </p:stCondLst>
+                                  <p:childTnLst>
+                                    <p:set>
+                                      <p:cBhvr>
+                                        <p:cTn id="56" dur="1" fill="hold">
+                                          <p:stCondLst>
+                                            <p:cond delay="0"/>
+                                          </p:stCondLst>
+                                        </p:cTn>
+                                        <p:tgtEl>
+                                          <p:spTgt spid="11"/>
+                                        </p:tgtEl>
+                                        <p:attrNameLst>
+                                          <p:attrName>style.visibility</p:attrName>
+                                        </p:attrNameLst>
+                                      </p:cBhvr>
+                                      <p:to>
+                                        <p:strVal val="visible"/>
+                                      </p:to>
+                                    </p:set>
+                                    <p:anim calcmode="lin" valueType="num">
+                                      <p:cBhvr additive="base">
+                                        <p:cTn id="57" dur="500"/>
+                                        <p:tgtEl>
+                                          <p:spTgt spid="11"/>
+                                        </p:tgtEl>
+                                        <p:attrNameLst>
+                                          <p:attrName>ppt_y</p:attrName>
+                                        </p:attrNameLst>
+                                      </p:cBhvr>
+                                      <p:tavLst>
+                                        <p:tav tm="0">
+                                          <p:val>
+                                            <p:strVal val="#ppt_y-#ppt_h*1.125000"/>
+                                          </p:val>
+                                        </p:tav>
+                                        <p:tav tm="100000">
+                                          <p:val>
+                                            <p:strVal val="#ppt_y"/>
+                                          </p:val>
+                                        </p:tav>
+                                      </p:tavLst>
+                                    </p:anim>
+                                    <p:animEffect transition="in" filter="wipe(down)">
+                                      <p:cBhvr>
+                                        <p:cTn id="58" dur="500"/>
+                                        <p:tgtEl>
+                                          <p:spTgt spid="11"/>
+                                        </p:tgtEl>
+                                      </p:cBhvr>
+                                    </p:animEffect>
+                                  </p:childTnLst>
+                                </p:cTn>
+                              </p:par>
+                              <p:par>
+                                <p:cTn id="59" presetID="12" presetClass="entr" presetSubtype="1" fill="hold" nodeType="withEffect">
+                                  <p:stCondLst>
+                                    <p:cond delay="0"/>
+                                  </p:stCondLst>
+                                  <p:childTnLst>
+                                    <p:set>
+                                      <p:cBhvr>
+                                        <p:cTn id="60" dur="1" fill="hold">
+                                          <p:stCondLst>
+                                            <p:cond delay="0"/>
+                                          </p:stCondLst>
+                                        </p:cTn>
+                                        <p:tgtEl>
+                                          <p:spTgt spid="34"/>
+                                        </p:tgtEl>
+                                        <p:attrNameLst>
+                                          <p:attrName>style.visibility</p:attrName>
+                                        </p:attrNameLst>
+                                      </p:cBhvr>
+                                      <p:to>
+                                        <p:strVal val="visible"/>
+                                      </p:to>
+                                    </p:set>
+                                    <p:anim calcmode="lin" valueType="num">
+                                      <p:cBhvr additive="base">
+                                        <p:cTn id="61" dur="500"/>
+                                        <p:tgtEl>
+                                          <p:spTgt spid="34"/>
+                                        </p:tgtEl>
+                                        <p:attrNameLst>
+                                          <p:attrName>ppt_y</p:attrName>
+                                        </p:attrNameLst>
+                                      </p:cBhvr>
+                                      <p:tavLst>
+                                        <p:tav tm="0">
+                                          <p:val>
+                                            <p:strVal val="#ppt_y-#ppt_h*1.125000"/>
+                                          </p:val>
+                                        </p:tav>
+                                        <p:tav tm="100000">
+                                          <p:val>
+                                            <p:strVal val="#ppt_y"/>
+                                          </p:val>
+                                        </p:tav>
+                                      </p:tavLst>
+                                    </p:anim>
+                                    <p:animEffect transition="in" filter="wipe(down)">
+                                      <p:cBhvr>
+                                        <p:cTn id="62" dur="500"/>
+                                        <p:tgtEl>
+                                          <p:spTgt spid="34"/>
+                                        </p:tgtEl>
+                                      </p:cBhvr>
+                                    </p:animEffect>
+                                  </p:childTnLst>
+                                </p:cTn>
+                              </p:par>
+                            </p:childTnLst>
+                          </p:cTn>
+                        </p:par>
+                      </p:childTnLst>
+                    </p:cTn>
+                  </p:par>
+                  <p:par>
+                    <p:cTn id="63" fill="hold">
+                      <p:stCondLst>
+                        <p:cond delay="indefinite"/>
+                      </p:stCondLst>
+                      <p:childTnLst>
+                        <p:par>
+                          <p:cTn id="64" fill="hold">
+                            <p:stCondLst>
+                              <p:cond delay="0"/>
+                            </p:stCondLst>
+                            <p:childTnLst>
+                              <p:par>
+                                <p:cTn id="65" presetID="12" presetClass="entr" presetSubtype="1" fill="hold" grpId="0" nodeType="clickEffect">
+                                  <p:stCondLst>
+                                    <p:cond delay="0"/>
+                                  </p:stCondLst>
+                                  <p:childTnLst>
+                                    <p:set>
+                                      <p:cBhvr>
+                                        <p:cTn id="66" dur="1" fill="hold">
+                                          <p:stCondLst>
+                                            <p:cond delay="0"/>
+                                          </p:stCondLst>
+                                        </p:cTn>
+                                        <p:tgtEl>
+                                          <p:spTgt spid="12"/>
+                                        </p:tgtEl>
+                                        <p:attrNameLst>
+                                          <p:attrName>style.visibility</p:attrName>
+                                        </p:attrNameLst>
+                                      </p:cBhvr>
+                                      <p:to>
+                                        <p:strVal val="visible"/>
+                                      </p:to>
+                                    </p:set>
+                                    <p:anim calcmode="lin" valueType="num">
+                                      <p:cBhvr additive="base">
+                                        <p:cTn id="67" dur="500"/>
+                                        <p:tgtEl>
+                                          <p:spTgt spid="12"/>
+                                        </p:tgtEl>
+                                        <p:attrNameLst>
+                                          <p:attrName>ppt_y</p:attrName>
+                                        </p:attrNameLst>
+                                      </p:cBhvr>
+                                      <p:tavLst>
+                                        <p:tav tm="0">
+                                          <p:val>
+                                            <p:strVal val="#ppt_y-#ppt_h*1.125000"/>
+                                          </p:val>
+                                        </p:tav>
+                                        <p:tav tm="100000">
+                                          <p:val>
+                                            <p:strVal val="#ppt_y"/>
+                                          </p:val>
+                                        </p:tav>
+                                      </p:tavLst>
+                                    </p:anim>
+                                    <p:animEffect transition="in" filter="wipe(down)">
+                                      <p:cBhvr>
+                                        <p:cTn id="68" dur="500"/>
+                                        <p:tgtEl>
+                                          <p:spTgt spid="12"/>
+                                        </p:tgtEl>
+                                      </p:cBhvr>
+                                    </p:animEffect>
+                                  </p:childTnLst>
+                                </p:cTn>
+                              </p:par>
+                              <p:par>
+                                <p:cTn id="69" presetID="12" presetClass="entr" presetSubtype="1" fill="hold" nodeType="withEffect">
+                                  <p:stCondLst>
+                                    <p:cond delay="0"/>
+                                  </p:stCondLst>
+                                  <p:childTnLst>
+                                    <p:set>
+                                      <p:cBhvr>
+                                        <p:cTn id="70" dur="1" fill="hold">
+                                          <p:stCondLst>
+                                            <p:cond delay="0"/>
+                                          </p:stCondLst>
+                                        </p:cTn>
+                                        <p:tgtEl>
+                                          <p:spTgt spid="38"/>
+                                        </p:tgtEl>
+                                        <p:attrNameLst>
+                                          <p:attrName>style.visibility</p:attrName>
+                                        </p:attrNameLst>
+                                      </p:cBhvr>
+                                      <p:to>
+                                        <p:strVal val="visible"/>
+                                      </p:to>
+                                    </p:set>
+                                    <p:anim calcmode="lin" valueType="num">
+                                      <p:cBhvr additive="base">
+                                        <p:cTn id="71" dur="500"/>
+                                        <p:tgtEl>
+                                          <p:spTgt spid="38"/>
+                                        </p:tgtEl>
+                                        <p:attrNameLst>
+                                          <p:attrName>ppt_y</p:attrName>
+                                        </p:attrNameLst>
+                                      </p:cBhvr>
+                                      <p:tavLst>
+                                        <p:tav tm="0">
+                                          <p:val>
+                                            <p:strVal val="#ppt_y-#ppt_h*1.125000"/>
+                                          </p:val>
+                                        </p:tav>
+                                        <p:tav tm="100000">
+                                          <p:val>
+                                            <p:strVal val="#ppt_y"/>
+                                          </p:val>
+                                        </p:tav>
+                                      </p:tavLst>
+                                    </p:anim>
+                                    <p:animEffect transition="in" filter="wipe(down)">
+                                      <p:cBhvr>
+                                        <p:cTn id="72" dur="500"/>
+                                        <p:tgtEl>
+                                          <p:spTgt spid="38"/>
+                                        </p:tgtEl>
+                                      </p:cBhvr>
+                                    </p:animEffect>
+                                  </p:childTnLst>
+                                </p:cTn>
+                              </p:par>
+                            </p:childTnLst>
+                          </p:cTn>
+                        </p:par>
+                      </p:childTnLst>
+                    </p:cTn>
+                  </p:par>
+                </p:childTnLst>
+              </p:cTn>
+              <p:prevCondLst>
+                <p:cond evt="onPrev" delay="0">
+                  <p:tgtEl>
+                    <p:sldTgt/>
+                  </p:tgtEl>
+                </p:cond>
+              </p:prevCondLst>
+              <p:nextCondLst>
+                <p:cond evt="onNext" delay="0">
+                  <p:tgtEl>
+                    <p:sldTgt/>
+                  </p:tgtEl>
+                </p:cond>
+              </p:nextCondLst>
+            </p:seq>
+          </p:childTnLst>
+        </p:cTn>
       </p:par>
     </p:tnLst>
+    <p:bldLst>
+      <p:bldP spid="5" grpId="0" animBg="1"/>
+      <p:bldP spid="7" grpId="0" animBg="1"/>
+      <p:bldP spid="8" grpId="0" animBg="1"/>
+      <p:bldP spid="9" grpId="0" animBg="1"/>
+      <p:bldP spid="10" grpId="0" animBg="1"/>
+      <p:bldP spid="11" grpId="0" animBg="1"/>
+      <p:bldP spid="12" grpId="0" animBg="1"/>
+    </p:bldLst>
   </p:timing>
 </p:sld>
 </file>
@@ -30982,6 +32735,13 @@
   <p:clrMapOvr>
     <a:masterClrMapping/>
   </p:clrMapOvr>
+  <p:timing>
+    <p:tnLst>
+      <p:par>
+        <p:cTn xmlns:p14="http://schemas.microsoft.com/office/powerpoint/2010/main" id="1" dur="indefinite" restart="never" nodeType="tmRoot"/>
+      </p:par>
+    </p:tnLst>
+  </p:timing>
 </p:sld>
 </file>
 

--- a/論文簡報.pptx
+++ b/論文簡報.pptx
@@ -5,7 +5,7 @@
     <p:sldMasterId id="2147483797" r:id="rId1"/>
   </p:sldMasterIdLst>
   <p:notesMasterIdLst>
-    <p:notesMasterId r:id="rId55"/>
+    <p:notesMasterId r:id="rId56"/>
   </p:notesMasterIdLst>
   <p:sldIdLst>
     <p:sldId id="256" r:id="rId2"/>
@@ -61,6 +61,7 @@
     <p:sldId id="324" r:id="rId52"/>
     <p:sldId id="325" r:id="rId53"/>
     <p:sldId id="289" r:id="rId54"/>
+    <p:sldId id="326" r:id="rId55"/>
   </p:sldIdLst>
   <p:sldSz cx="9144000" cy="6858000" type="screen4x3"/>
   <p:notesSz cx="6858000" cy="9144000"/>
@@ -25879,11 +25880,7 @@
           <a:p>
             <a:r>
               <a:rPr lang="zh-TW" altLang="en-US" dirty="0" smtClean="0"/>
-              <a:t>購後</a:t>
-            </a:r>
-            <a:r>
-              <a:rPr lang="zh-TW" altLang="en-US" dirty="0" smtClean="0"/>
-              <a:t>行為</a:t>
+              <a:t>購後行為</a:t>
             </a:r>
             <a:r>
               <a:rPr lang="en-US" altLang="zh-TW" dirty="0" smtClean="0"/>
@@ -32304,6 +32301,13 @@
   <p:clrMapOvr>
     <a:masterClrMapping/>
   </p:clrMapOvr>
+  <p:timing>
+    <p:tnLst>
+      <p:par>
+        <p:cTn xmlns:p14="http://schemas.microsoft.com/office/powerpoint/2010/main" id="1" dur="indefinite" restart="never" nodeType="tmRoot"/>
+      </p:par>
+    </p:tnLst>
+  </p:timing>
 </p:sld>
 </file>
 
@@ -32667,6 +32671,13 @@
   <p:clrMapOvr>
     <a:masterClrMapping/>
   </p:clrMapOvr>
+  <p:timing>
+    <p:tnLst>
+      <p:par>
+        <p:cTn xmlns:p14="http://schemas.microsoft.com/office/powerpoint/2010/main" id="1" dur="indefinite" restart="never" nodeType="tmRoot"/>
+      </p:par>
+    </p:tnLst>
+  </p:timing>
 </p:sld>
 </file>
 
@@ -34347,6 +34358,13 @@
   <p:clrMapOvr>
     <a:masterClrMapping/>
   </p:clrMapOvr>
+  <p:timing>
+    <p:tnLst>
+      <p:par>
+        <p:cTn xmlns:p14="http://schemas.microsoft.com/office/powerpoint/2010/main" id="1" dur="indefinite" restart="never" nodeType="tmRoot"/>
+      </p:par>
+    </p:tnLst>
+  </p:timing>
 </p:sld>
 </file>
 
@@ -34777,6 +34795,13 @@
   <p:clrMapOvr>
     <a:masterClrMapping/>
   </p:clrMapOvr>
+  <p:timing>
+    <p:tnLst>
+      <p:par>
+        <p:cTn xmlns:p14="http://schemas.microsoft.com/office/powerpoint/2010/main" id="1" dur="indefinite" restart="never" nodeType="tmRoot"/>
+      </p:par>
+    </p:tnLst>
+  </p:timing>
 </p:sld>
 </file>
 
@@ -35198,6 +35223,13 @@
   <p:clrMapOvr>
     <a:masterClrMapping/>
   </p:clrMapOvr>
+  <p:timing>
+    <p:tnLst>
+      <p:par>
+        <p:cTn xmlns:p14="http://schemas.microsoft.com/office/powerpoint/2010/main" id="1" dur="indefinite" restart="never" nodeType="tmRoot"/>
+      </p:par>
+    </p:tnLst>
+  </p:timing>
 </p:sld>
 </file>
 
@@ -35453,6 +35485,13 @@
   <p:clrMapOvr>
     <a:masterClrMapping/>
   </p:clrMapOvr>
+  <p:timing>
+    <p:tnLst>
+      <p:par>
+        <p:cTn xmlns:p14="http://schemas.microsoft.com/office/powerpoint/2010/main" id="1" dur="indefinite" restart="never" nodeType="tmRoot"/>
+      </p:par>
+    </p:tnLst>
+  </p:timing>
 </p:sld>
 </file>
 
@@ -35703,6 +35742,13 @@
   <p:clrMapOvr>
     <a:masterClrMapping/>
   </p:clrMapOvr>
+  <p:timing>
+    <p:tnLst>
+      <p:par>
+        <p:cTn xmlns:p14="http://schemas.microsoft.com/office/powerpoint/2010/main" id="1" dur="indefinite" restart="never" nodeType="tmRoot"/>
+      </p:par>
+    </p:tnLst>
+  </p:timing>
 </p:sld>
 </file>
 
@@ -35964,6 +36010,13 @@
   <p:clrMapOvr>
     <a:masterClrMapping/>
   </p:clrMapOvr>
+  <p:timing>
+    <p:tnLst>
+      <p:par>
+        <p:cTn xmlns:p14="http://schemas.microsoft.com/office/powerpoint/2010/main" id="1" dur="indefinite" restart="never" nodeType="tmRoot"/>
+      </p:par>
+    </p:tnLst>
+  </p:timing>
 </p:sld>
 </file>
 
@@ -36197,6 +36250,13 @@
   <p:clrMapOvr>
     <a:masterClrMapping/>
   </p:clrMapOvr>
+  <p:timing>
+    <p:tnLst>
+      <p:par>
+        <p:cTn xmlns:p14="http://schemas.microsoft.com/office/powerpoint/2010/main" id="1" dur="indefinite" restart="never" nodeType="tmRoot"/>
+      </p:par>
+    </p:tnLst>
+  </p:timing>
 </p:sld>
 </file>
 
@@ -36435,6 +36495,13 @@
   <p:clrMapOvr>
     <a:masterClrMapping/>
   </p:clrMapOvr>
+  <p:timing>
+    <p:tnLst>
+      <p:par>
+        <p:cTn xmlns:p14="http://schemas.microsoft.com/office/powerpoint/2010/main" id="1" dur="indefinite" restart="never" nodeType="tmRoot"/>
+      </p:par>
+    </p:tnLst>
+  </p:timing>
 </p:sld>
 </file>
 
@@ -36733,6 +36800,13 @@
   <p:clrMapOvr>
     <a:masterClrMapping/>
   </p:clrMapOvr>
+  <p:timing>
+    <p:tnLst>
+      <p:par>
+        <p:cTn xmlns:p14="http://schemas.microsoft.com/office/powerpoint/2010/main" id="1" dur="indefinite" restart="never" nodeType="tmRoot"/>
+      </p:par>
+    </p:tnLst>
+  </p:timing>
 </p:sld>
 </file>
 
@@ -36890,6 +36964,13 @@
   <p:clrMapOvr>
     <a:masterClrMapping/>
   </p:clrMapOvr>
+  <p:timing>
+    <p:tnLst>
+      <p:par>
+        <p:cTn xmlns:p14="http://schemas.microsoft.com/office/powerpoint/2010/main" id="1" dur="indefinite" restart="never" nodeType="tmRoot"/>
+      </p:par>
+    </p:tnLst>
+  </p:timing>
 </p:sld>
 </file>
 
@@ -36953,6 +37034,13 @@
   <p:clrMapOvr>
     <a:masterClrMapping/>
   </p:clrMapOvr>
+  <p:timing>
+    <p:tnLst>
+      <p:par>
+        <p:cTn xmlns:p14="http://schemas.microsoft.com/office/powerpoint/2010/main" id="1" dur="indefinite" restart="never" nodeType="tmRoot"/>
+      </p:par>
+    </p:tnLst>
+  </p:timing>
 </p:sld>
 </file>
 
@@ -37108,6 +37196,13 @@
   <p:clrMapOvr>
     <a:masterClrMapping/>
   </p:clrMapOvr>
+  <p:timing>
+    <p:tnLst>
+      <p:par>
+        <p:cTn xmlns:p14="http://schemas.microsoft.com/office/powerpoint/2010/main" id="1" dur="indefinite" restart="never" nodeType="tmRoot"/>
+      </p:par>
+    </p:tnLst>
+  </p:timing>
 </p:sld>
 </file>
 
@@ -37560,6 +37655,13 @@
   <p:clrMapOvr>
     <a:masterClrMapping/>
   </p:clrMapOvr>
+  <p:timing>
+    <p:tnLst>
+      <p:par>
+        <p:cTn xmlns:p14="http://schemas.microsoft.com/office/powerpoint/2010/main" id="1" dur="indefinite" restart="never" nodeType="tmRoot"/>
+      </p:par>
+    </p:tnLst>
+  </p:timing>
 </p:sld>
 </file>
 
@@ -37742,6 +37844,13 @@
   <p:clrMapOvr>
     <a:masterClrMapping/>
   </p:clrMapOvr>
+  <p:timing>
+    <p:tnLst>
+      <p:par>
+        <p:cTn xmlns:p14="http://schemas.microsoft.com/office/powerpoint/2010/main" id="1" dur="indefinite" restart="never" nodeType="tmRoot"/>
+      </p:par>
+    </p:tnLst>
+  </p:timing>
 </p:sld>
 </file>
 
@@ -37826,6 +37935,74 @@
       </p:par>
     </p:tnLst>
   </p:timing>
+</p:sld>
+</file>
+
+<file path=ppt/slides/slide54.xml><?xml version="1.0" encoding="utf-8"?>
+<p:sld xmlns:a="http://schemas.openxmlformats.org/drawingml/2006/main" xmlns:r="http://schemas.openxmlformats.org/officeDocument/2006/relationships" xmlns:p="http://schemas.openxmlformats.org/presentationml/2006/main">
+  <p:cSld>
+    <p:spTree>
+      <p:nvGrpSpPr>
+        <p:cNvPr id="1" name=""/>
+        <p:cNvGrpSpPr/>
+        <p:nvPr/>
+      </p:nvGrpSpPr>
+      <p:grpSpPr>
+        <a:xfrm>
+          <a:off x="0" y="0"/>
+          <a:ext cx="0" cy="0"/>
+          <a:chOff x="0" y="0"/>
+          <a:chExt cx="0" cy="0"/>
+        </a:xfrm>
+      </p:grpSpPr>
+      <p:sp>
+        <p:nvSpPr>
+          <p:cNvPr id="2" name="標題 1"/>
+          <p:cNvSpPr>
+            <a:spLocks noGrp="1"/>
+          </p:cNvSpPr>
+          <p:nvPr>
+            <p:ph type="title"/>
+          </p:nvPr>
+        </p:nvSpPr>
+        <p:spPr/>
+        <p:txBody>
+          <a:bodyPr/>
+          <a:lstStyle/>
+          <a:p>
+            <a:endParaRPr kumimoji="1" lang="zh-TW" altLang="en-US"/>
+          </a:p>
+        </p:txBody>
+      </p:sp>
+      <p:sp>
+        <p:nvSpPr>
+          <p:cNvPr id="3" name="內容版面配置區 2"/>
+          <p:cNvSpPr>
+            <a:spLocks noGrp="1"/>
+          </p:cNvSpPr>
+          <p:nvPr>
+            <p:ph sz="quarter" idx="13"/>
+          </p:nvPr>
+        </p:nvSpPr>
+        <p:spPr/>
+        <p:txBody>
+          <a:bodyPr/>
+          <a:lstStyle/>
+          <a:p>
+            <a:endParaRPr kumimoji="1" lang="zh-TW" altLang="en-US"/>
+          </a:p>
+        </p:txBody>
+      </p:sp>
+    </p:spTree>
+    <p:extLst>
+      <p:ext uri="{BB962C8B-B14F-4D97-AF65-F5344CB8AC3E}">
+        <p14:creationId xmlns:p14="http://schemas.microsoft.com/office/powerpoint/2010/main" val="3760657996"/>
+      </p:ext>
+    </p:extLst>
+  </p:cSld>
+  <p:clrMapOvr>
+    <a:masterClrMapping/>
+  </p:clrMapOvr>
 </p:sld>
 </file>
 
